--- a/使用go module进行依赖管理.pptx
+++ b/使用go module进行依赖管理.pptx
@@ -21,6 +21,10 @@
     <p:sldId id="266" r:id="rId18"/>
     <p:sldId id="267" r:id="rId19"/>
     <p:sldId id="268" r:id="rId20"/>
+    <p:sldId id="269" r:id="rId21"/>
+    <p:sldId id="270" r:id="rId22"/>
+    <p:sldId id="271" r:id="rId23"/>
+    <p:sldId id="272" r:id="rId24"/>
   </p:sldIdLst>
   <p:sldSz cx="9144000" cy="5143500"/>
   <p:notesSz cx="6858000" cy="9144000"/>
@@ -657,6 +661,566 @@
       <p:sp>
         <p:nvSpPr>
           <p:cNvPr id="347" name="Shape 347"/>
+          <p:cNvSpPr/>
+          <p:nvPr>
+            <p:ph type="body" sz="quarter" idx="1"/>
+          </p:nvPr>
+        </p:nvSpPr>
+        <p:spPr>
+          <a:prstGeom prst="rect">
+            <a:avLst/>
+          </a:prstGeom>
+        </p:spPr>
+        <p:txBody>
+          <a:bodyPr/>
+          <a:lstStyle/>
+          <a:p>
+            <a:pPr>
+              <a:defRPr b="1">
+                <a:solidFill>
+                  <a:srgbClr val="BFBFBF"/>
+                </a:solidFill>
+                <a:latin typeface="微软雅黑"/>
+                <a:ea typeface="微软雅黑"/>
+                <a:cs typeface="微软雅黑"/>
+                <a:sym typeface="微软雅黑"/>
+              </a:defRPr>
+            </a:pPr>
+            <a:r>
+              <a:t>做什么项目（描述</a:t>
+            </a:r>
+            <a:r>
+              <a:t>1~2</a:t>
+            </a:r>
+            <a:r>
+              <a:t>个，重点项目优先，深入介绍）</a:t>
+            </a:r>
+          </a:p>
+          <a:p>
+            <a:pPr>
+              <a:defRPr b="1">
+                <a:solidFill>
+                  <a:srgbClr val="BFBFBF"/>
+                </a:solidFill>
+                <a:latin typeface="微软雅黑"/>
+                <a:ea typeface="微软雅黑"/>
+                <a:cs typeface="微软雅黑"/>
+                <a:sym typeface="微软雅黑"/>
+              </a:defRPr>
+            </a:pPr>
+            <a:r>
+              <a:t>研发周期、人数</a:t>
+            </a:r>
+          </a:p>
+          <a:p>
+            <a:pPr>
+              <a:defRPr b="1">
+                <a:solidFill>
+                  <a:srgbClr val="BFBFBF"/>
+                </a:solidFill>
+                <a:latin typeface="微软雅黑"/>
+                <a:ea typeface="微软雅黑"/>
+                <a:cs typeface="微软雅黑"/>
+                <a:sym typeface="微软雅黑"/>
+              </a:defRPr>
+            </a:pPr>
+            <a:r>
+              <a:t>自己在其中扮演的角色</a:t>
+            </a:r>
+          </a:p>
+          <a:p>
+            <a:pPr>
+              <a:defRPr b="1">
+                <a:solidFill>
+                  <a:srgbClr val="BFBFBF"/>
+                </a:solidFill>
+                <a:latin typeface="微软雅黑"/>
+                <a:ea typeface="微软雅黑"/>
+                <a:cs typeface="微软雅黑"/>
+                <a:sym typeface="微软雅黑"/>
+              </a:defRPr>
+            </a:pPr>
+            <a:r>
+              <a:t>项目开发状态</a:t>
+            </a:r>
+            <a:r>
+              <a:t>/</a:t>
+            </a:r>
+            <a:r>
+              <a:t>成果/数据等（不包含敏感数据）</a:t>
+            </a:r>
+          </a:p>
+        </p:txBody>
+      </p:sp>
+    </p:spTree>
+  </p:cSld>
+  <p:clrMapOvr>
+    <a:masterClrMapping/>
+  </p:clrMapOvr>
+</p:notes>
+</file>
+
+<file path=ppt/notesSlides/notesSlide11.xml><?xml version="1.0" encoding="utf-8"?>
+<p:notes xmlns:a="http://schemas.openxmlformats.org/drawingml/2006/main" xmlns:r="http://schemas.openxmlformats.org/officeDocument/2006/relationships" xmlns:p="http://schemas.openxmlformats.org/presentationml/2006/main" xmlns:m="http://schemas.openxmlformats.org/officeDocument/2006/math" xmlns:a14="http://schemas.microsoft.com/office/drawing/2010/main" showMasterSp="1" showMasterPhAnim="1">
+  <p:cSld>
+    <p:spTree>
+      <p:nvGrpSpPr>
+        <p:cNvPr id="1" name=""/>
+        <p:cNvGrpSpPr/>
+        <p:nvPr/>
+      </p:nvGrpSpPr>
+      <p:grpSpPr>
+        <a:xfrm>
+          <a:off x="0" y="0"/>
+          <a:ext cx="0" cy="0"/>
+          <a:chOff x="0" y="0"/>
+          <a:chExt cx="0" cy="0"/>
+        </a:xfrm>
+      </p:grpSpPr>
+      <p:sp>
+        <p:nvSpPr>
+          <p:cNvPr id="351" name="Shape 351"/>
+          <p:cNvSpPr/>
+          <p:nvPr>
+            <p:ph type="sldImg"/>
+          </p:nvPr>
+        </p:nvSpPr>
+        <p:spPr>
+          <a:prstGeom prst="rect">
+            <a:avLst/>
+          </a:prstGeom>
+        </p:spPr>
+        <p:txBody>
+          <a:bodyPr/>
+          <a:lstStyle/>
+          <a:p>
+            <a:pPr/>
+          </a:p>
+        </p:txBody>
+      </p:sp>
+      <p:sp>
+        <p:nvSpPr>
+          <p:cNvPr id="352" name="Shape 352"/>
+          <p:cNvSpPr/>
+          <p:nvPr>
+            <p:ph type="body" sz="quarter" idx="1"/>
+          </p:nvPr>
+        </p:nvSpPr>
+        <p:spPr>
+          <a:prstGeom prst="rect">
+            <a:avLst/>
+          </a:prstGeom>
+        </p:spPr>
+        <p:txBody>
+          <a:bodyPr/>
+          <a:lstStyle/>
+          <a:p>
+            <a:pPr>
+              <a:defRPr b="1">
+                <a:solidFill>
+                  <a:srgbClr val="BFBFBF"/>
+                </a:solidFill>
+                <a:latin typeface="微软雅黑"/>
+                <a:ea typeface="微软雅黑"/>
+                <a:cs typeface="微软雅黑"/>
+                <a:sym typeface="微软雅黑"/>
+              </a:defRPr>
+            </a:pPr>
+            <a:r>
+              <a:t>做什么项目（描述</a:t>
+            </a:r>
+            <a:r>
+              <a:t>1~2</a:t>
+            </a:r>
+            <a:r>
+              <a:t>个，重点项目优先，深入介绍）</a:t>
+            </a:r>
+          </a:p>
+          <a:p>
+            <a:pPr>
+              <a:defRPr b="1">
+                <a:solidFill>
+                  <a:srgbClr val="BFBFBF"/>
+                </a:solidFill>
+                <a:latin typeface="微软雅黑"/>
+                <a:ea typeface="微软雅黑"/>
+                <a:cs typeface="微软雅黑"/>
+                <a:sym typeface="微软雅黑"/>
+              </a:defRPr>
+            </a:pPr>
+            <a:r>
+              <a:t>研发周期、人数</a:t>
+            </a:r>
+          </a:p>
+          <a:p>
+            <a:pPr>
+              <a:defRPr b="1">
+                <a:solidFill>
+                  <a:srgbClr val="BFBFBF"/>
+                </a:solidFill>
+                <a:latin typeface="微软雅黑"/>
+                <a:ea typeface="微软雅黑"/>
+                <a:cs typeface="微软雅黑"/>
+                <a:sym typeface="微软雅黑"/>
+              </a:defRPr>
+            </a:pPr>
+            <a:r>
+              <a:t>自己在其中扮演的角色</a:t>
+            </a:r>
+          </a:p>
+          <a:p>
+            <a:pPr>
+              <a:defRPr b="1">
+                <a:solidFill>
+                  <a:srgbClr val="BFBFBF"/>
+                </a:solidFill>
+                <a:latin typeface="微软雅黑"/>
+                <a:ea typeface="微软雅黑"/>
+                <a:cs typeface="微软雅黑"/>
+                <a:sym typeface="微软雅黑"/>
+              </a:defRPr>
+            </a:pPr>
+            <a:r>
+              <a:t>项目开发状态</a:t>
+            </a:r>
+            <a:r>
+              <a:t>/</a:t>
+            </a:r>
+            <a:r>
+              <a:t>成果/数据等（不包含敏感数据）</a:t>
+            </a:r>
+          </a:p>
+        </p:txBody>
+      </p:sp>
+    </p:spTree>
+  </p:cSld>
+  <p:clrMapOvr>
+    <a:masterClrMapping/>
+  </p:clrMapOvr>
+</p:notes>
+</file>
+
+<file path=ppt/notesSlides/notesSlide12.xml><?xml version="1.0" encoding="utf-8"?>
+<p:notes xmlns:a="http://schemas.openxmlformats.org/drawingml/2006/main" xmlns:r="http://schemas.openxmlformats.org/officeDocument/2006/relationships" xmlns:p="http://schemas.openxmlformats.org/presentationml/2006/main" xmlns:m="http://schemas.openxmlformats.org/officeDocument/2006/math" xmlns:a14="http://schemas.microsoft.com/office/drawing/2010/main" showMasterSp="1" showMasterPhAnim="1">
+  <p:cSld>
+    <p:spTree>
+      <p:nvGrpSpPr>
+        <p:cNvPr id="1" name=""/>
+        <p:cNvGrpSpPr/>
+        <p:nvPr/>
+      </p:nvGrpSpPr>
+      <p:grpSpPr>
+        <a:xfrm>
+          <a:off x="0" y="0"/>
+          <a:ext cx="0" cy="0"/>
+          <a:chOff x="0" y="0"/>
+          <a:chExt cx="0" cy="0"/>
+        </a:xfrm>
+      </p:grpSpPr>
+      <p:sp>
+        <p:nvSpPr>
+          <p:cNvPr id="356" name="Shape 356"/>
+          <p:cNvSpPr/>
+          <p:nvPr>
+            <p:ph type="sldImg"/>
+          </p:nvPr>
+        </p:nvSpPr>
+        <p:spPr>
+          <a:prstGeom prst="rect">
+            <a:avLst/>
+          </a:prstGeom>
+        </p:spPr>
+        <p:txBody>
+          <a:bodyPr/>
+          <a:lstStyle/>
+          <a:p>
+            <a:pPr/>
+          </a:p>
+        </p:txBody>
+      </p:sp>
+      <p:sp>
+        <p:nvSpPr>
+          <p:cNvPr id="357" name="Shape 357"/>
+          <p:cNvSpPr/>
+          <p:nvPr>
+            <p:ph type="body" sz="quarter" idx="1"/>
+          </p:nvPr>
+        </p:nvSpPr>
+        <p:spPr>
+          <a:prstGeom prst="rect">
+            <a:avLst/>
+          </a:prstGeom>
+        </p:spPr>
+        <p:txBody>
+          <a:bodyPr/>
+          <a:lstStyle/>
+          <a:p>
+            <a:pPr>
+              <a:defRPr b="1">
+                <a:solidFill>
+                  <a:srgbClr val="BFBFBF"/>
+                </a:solidFill>
+                <a:latin typeface="微软雅黑"/>
+                <a:ea typeface="微软雅黑"/>
+                <a:cs typeface="微软雅黑"/>
+                <a:sym typeface="微软雅黑"/>
+              </a:defRPr>
+            </a:pPr>
+            <a:r>
+              <a:t>做什么项目（描述</a:t>
+            </a:r>
+            <a:r>
+              <a:t>1~2</a:t>
+            </a:r>
+            <a:r>
+              <a:t>个，重点项目优先，深入介绍）</a:t>
+            </a:r>
+          </a:p>
+          <a:p>
+            <a:pPr>
+              <a:defRPr b="1">
+                <a:solidFill>
+                  <a:srgbClr val="BFBFBF"/>
+                </a:solidFill>
+                <a:latin typeface="微软雅黑"/>
+                <a:ea typeface="微软雅黑"/>
+                <a:cs typeface="微软雅黑"/>
+                <a:sym typeface="微软雅黑"/>
+              </a:defRPr>
+            </a:pPr>
+            <a:r>
+              <a:t>研发周期、人数</a:t>
+            </a:r>
+          </a:p>
+          <a:p>
+            <a:pPr>
+              <a:defRPr b="1">
+                <a:solidFill>
+                  <a:srgbClr val="BFBFBF"/>
+                </a:solidFill>
+                <a:latin typeface="微软雅黑"/>
+                <a:ea typeface="微软雅黑"/>
+                <a:cs typeface="微软雅黑"/>
+                <a:sym typeface="微软雅黑"/>
+              </a:defRPr>
+            </a:pPr>
+            <a:r>
+              <a:t>自己在其中扮演的角色</a:t>
+            </a:r>
+          </a:p>
+          <a:p>
+            <a:pPr>
+              <a:defRPr b="1">
+                <a:solidFill>
+                  <a:srgbClr val="BFBFBF"/>
+                </a:solidFill>
+                <a:latin typeface="微软雅黑"/>
+                <a:ea typeface="微软雅黑"/>
+                <a:cs typeface="微软雅黑"/>
+                <a:sym typeface="微软雅黑"/>
+              </a:defRPr>
+            </a:pPr>
+            <a:r>
+              <a:t>项目开发状态</a:t>
+            </a:r>
+            <a:r>
+              <a:t>/</a:t>
+            </a:r>
+            <a:r>
+              <a:t>成果/数据等（不包含敏感数据）</a:t>
+            </a:r>
+          </a:p>
+        </p:txBody>
+      </p:sp>
+    </p:spTree>
+  </p:cSld>
+  <p:clrMapOvr>
+    <a:masterClrMapping/>
+  </p:clrMapOvr>
+</p:notes>
+</file>
+
+<file path=ppt/notesSlides/notesSlide13.xml><?xml version="1.0" encoding="utf-8"?>
+<p:notes xmlns:a="http://schemas.openxmlformats.org/drawingml/2006/main" xmlns:r="http://schemas.openxmlformats.org/officeDocument/2006/relationships" xmlns:p="http://schemas.openxmlformats.org/presentationml/2006/main" xmlns:m="http://schemas.openxmlformats.org/officeDocument/2006/math" xmlns:a14="http://schemas.microsoft.com/office/drawing/2010/main" showMasterSp="1" showMasterPhAnim="1">
+  <p:cSld>
+    <p:spTree>
+      <p:nvGrpSpPr>
+        <p:cNvPr id="1" name=""/>
+        <p:cNvGrpSpPr/>
+        <p:nvPr/>
+      </p:nvGrpSpPr>
+      <p:grpSpPr>
+        <a:xfrm>
+          <a:off x="0" y="0"/>
+          <a:ext cx="0" cy="0"/>
+          <a:chOff x="0" y="0"/>
+          <a:chExt cx="0" cy="0"/>
+        </a:xfrm>
+      </p:grpSpPr>
+      <p:sp>
+        <p:nvSpPr>
+          <p:cNvPr id="361" name="Shape 361"/>
+          <p:cNvSpPr/>
+          <p:nvPr>
+            <p:ph type="sldImg"/>
+          </p:nvPr>
+        </p:nvSpPr>
+        <p:spPr>
+          <a:prstGeom prst="rect">
+            <a:avLst/>
+          </a:prstGeom>
+        </p:spPr>
+        <p:txBody>
+          <a:bodyPr/>
+          <a:lstStyle/>
+          <a:p>
+            <a:pPr/>
+          </a:p>
+        </p:txBody>
+      </p:sp>
+      <p:sp>
+        <p:nvSpPr>
+          <p:cNvPr id="362" name="Shape 362"/>
+          <p:cNvSpPr/>
+          <p:nvPr>
+            <p:ph type="body" sz="quarter" idx="1"/>
+          </p:nvPr>
+        </p:nvSpPr>
+        <p:spPr>
+          <a:prstGeom prst="rect">
+            <a:avLst/>
+          </a:prstGeom>
+        </p:spPr>
+        <p:txBody>
+          <a:bodyPr/>
+          <a:lstStyle/>
+          <a:p>
+            <a:pPr>
+              <a:defRPr b="1">
+                <a:solidFill>
+                  <a:srgbClr val="BFBFBF"/>
+                </a:solidFill>
+                <a:latin typeface="微软雅黑"/>
+                <a:ea typeface="微软雅黑"/>
+                <a:cs typeface="微软雅黑"/>
+                <a:sym typeface="微软雅黑"/>
+              </a:defRPr>
+            </a:pPr>
+            <a:r>
+              <a:t>做什么项目（描述</a:t>
+            </a:r>
+            <a:r>
+              <a:t>1~2</a:t>
+            </a:r>
+            <a:r>
+              <a:t>个，重点项目优先，深入介绍）</a:t>
+            </a:r>
+          </a:p>
+          <a:p>
+            <a:pPr>
+              <a:defRPr b="1">
+                <a:solidFill>
+                  <a:srgbClr val="BFBFBF"/>
+                </a:solidFill>
+                <a:latin typeface="微软雅黑"/>
+                <a:ea typeface="微软雅黑"/>
+                <a:cs typeface="微软雅黑"/>
+                <a:sym typeface="微软雅黑"/>
+              </a:defRPr>
+            </a:pPr>
+            <a:r>
+              <a:t>研发周期、人数</a:t>
+            </a:r>
+          </a:p>
+          <a:p>
+            <a:pPr>
+              <a:defRPr b="1">
+                <a:solidFill>
+                  <a:srgbClr val="BFBFBF"/>
+                </a:solidFill>
+                <a:latin typeface="微软雅黑"/>
+                <a:ea typeface="微软雅黑"/>
+                <a:cs typeface="微软雅黑"/>
+                <a:sym typeface="微软雅黑"/>
+              </a:defRPr>
+            </a:pPr>
+            <a:r>
+              <a:t>自己在其中扮演的角色</a:t>
+            </a:r>
+          </a:p>
+          <a:p>
+            <a:pPr>
+              <a:defRPr b="1">
+                <a:solidFill>
+                  <a:srgbClr val="BFBFBF"/>
+                </a:solidFill>
+                <a:latin typeface="微软雅黑"/>
+                <a:ea typeface="微软雅黑"/>
+                <a:cs typeface="微软雅黑"/>
+                <a:sym typeface="微软雅黑"/>
+              </a:defRPr>
+            </a:pPr>
+            <a:r>
+              <a:t>项目开发状态</a:t>
+            </a:r>
+            <a:r>
+              <a:t>/</a:t>
+            </a:r>
+            <a:r>
+              <a:t>成果/数据等（不包含敏感数据）</a:t>
+            </a:r>
+          </a:p>
+        </p:txBody>
+      </p:sp>
+    </p:spTree>
+  </p:cSld>
+  <p:clrMapOvr>
+    <a:masterClrMapping/>
+  </p:clrMapOvr>
+</p:notes>
+</file>
+
+<file path=ppt/notesSlides/notesSlide14.xml><?xml version="1.0" encoding="utf-8"?>
+<p:notes xmlns:a="http://schemas.openxmlformats.org/drawingml/2006/main" xmlns:r="http://schemas.openxmlformats.org/officeDocument/2006/relationships" xmlns:p="http://schemas.openxmlformats.org/presentationml/2006/main" xmlns:m="http://schemas.openxmlformats.org/officeDocument/2006/math" xmlns:a14="http://schemas.microsoft.com/office/drawing/2010/main" showMasterSp="1" showMasterPhAnim="1">
+  <p:cSld>
+    <p:spTree>
+      <p:nvGrpSpPr>
+        <p:cNvPr id="1" name=""/>
+        <p:cNvGrpSpPr/>
+        <p:nvPr/>
+      </p:nvGrpSpPr>
+      <p:grpSpPr>
+        <a:xfrm>
+          <a:off x="0" y="0"/>
+          <a:ext cx="0" cy="0"/>
+          <a:chOff x="0" y="0"/>
+          <a:chExt cx="0" cy="0"/>
+        </a:xfrm>
+      </p:grpSpPr>
+      <p:sp>
+        <p:nvSpPr>
+          <p:cNvPr id="366" name="Shape 366"/>
+          <p:cNvSpPr/>
+          <p:nvPr>
+            <p:ph type="sldImg"/>
+          </p:nvPr>
+        </p:nvSpPr>
+        <p:spPr>
+          <a:prstGeom prst="rect">
+            <a:avLst/>
+          </a:prstGeom>
+        </p:spPr>
+        <p:txBody>
+          <a:bodyPr/>
+          <a:lstStyle/>
+          <a:p>
+            <a:pPr/>
+          </a:p>
+        </p:txBody>
+      </p:sp>
+      <p:sp>
+        <p:nvSpPr>
+          <p:cNvPr id="367" name="Shape 367"/>
           <p:cNvSpPr/>
           <p:nvPr>
             <p:ph type="body" sz="quarter" idx="1"/>
@@ -8542,7 +9106,7 @@
         <p:spPr>
           <a:xfrm>
             <a:off x="213801" y="0"/>
-            <a:ext cx="2824481" cy="487681"/>
+            <a:ext cx="1289319" cy="436881"/>
           </a:xfrm>
           <a:prstGeom prst="rect">
             <a:avLst/>
@@ -8576,21 +9140,31 @@
           <a:p>
             <a:pPr/>
             <a:r>
-              <a:t>自有项目的维护建议</a:t>
-            </a:r>
-          </a:p>
-        </p:txBody>
-      </p:sp>
-      <p:sp>
-        <p:nvSpPr>
-          <p:cNvPr id="335" name="内容占位符 2"/>
-          <p:cNvSpPr txBox="1"/>
+              <a:t>A DEMO</a:t>
+            </a:r>
+          </a:p>
+        </p:txBody>
+      </p:sp>
+      <p:pic>
+        <p:nvPicPr>
+          <p:cNvPr id="335" name="图像" descr="图像"/>
+          <p:cNvPicPr>
+            <a:picLocks noChangeAspect="1"/>
+          </p:cNvPicPr>
           <p:nvPr/>
-        </p:nvSpPr>
+        </p:nvPicPr>
+        <p:blipFill>
+          <a:blip r:embed="rId3">
+            <a:extLst/>
+          </a:blip>
+          <a:stretch>
+            <a:fillRect/>
+          </a:stretch>
+        </p:blipFill>
         <p:spPr>
           <a:xfrm>
-            <a:off x="688603" y="1025448"/>
-            <a:ext cx="7766793" cy="1865377"/>
+            <a:off x="82550" y="463550"/>
+            <a:ext cx="8978900" cy="4216400"/>
           </a:xfrm>
           <a:prstGeom prst="rect">
             <a:avLst/>
@@ -8598,80 +9172,8 @@
           <a:ln w="12700">
             <a:miter lim="400000"/>
           </a:ln>
-          <a:extLst>
-            <a:ext uri="{C572A759-6A51-4108-AA02-DFA0A04FC94B}">
-              <ma14:wrappingTextBoxFlag xmlns:ma14="http://schemas.microsoft.com/office/mac/drawingml/2011/main" val="1"/>
-            </a:ext>
-          </a:extLst>
-        </p:spPr>
-        <p:txBody>
-          <a:bodyPr lIns="45719" rIns="45719">
-            <a:spAutoFit/>
-          </a:bodyPr>
-          <a:lstStyle/>
-          <a:p>
-            <a:pPr indent="-342900">
-              <a:spcBef>
-                <a:spcPts val="300"/>
-              </a:spcBef>
-              <a:buSzPct val="100000"/>
-              <a:buFont typeface="Arial"/>
-              <a:buChar char="•"/>
-              <a:defRPr sz="1600">
-                <a:latin typeface="微软雅黑"/>
-                <a:ea typeface="微软雅黑"/>
-                <a:cs typeface="微软雅黑"/>
-                <a:sym typeface="微软雅黑"/>
-              </a:defRPr>
-            </a:pPr>
-            <a:r>
-              <a:t>根据semver，tag v0.x.x是测试版本，tag v1.x.x是稳定版本 tag v2.x.x不兼容v1</a:t>
-            </a:r>
-          </a:p>
-          <a:p>
-            <a:pPr indent="-342900">
-              <a:spcBef>
-                <a:spcPts val="300"/>
-              </a:spcBef>
-              <a:buSzPct val="100000"/>
-              <a:buFont typeface="Arial"/>
-              <a:buChar char="•"/>
-              <a:defRPr sz="1600">
-                <a:latin typeface="微软雅黑"/>
-                <a:ea typeface="微软雅黑"/>
-                <a:cs typeface="微软雅黑"/>
-                <a:sym typeface="微软雅黑"/>
-              </a:defRPr>
-            </a:pPr>
-            <a:r>
-              <a:t>不建议轻易升级major version &gt;=2，因为根据go mod的约束</a:t>
-            </a:r>
-            <a:br/>
-            <a:r>
-              <a:t>一旦主版本&gt;=2，module name和require以及import都需要修改，这对代码的侵入性和改造较大</a:t>
-            </a:r>
-          </a:p>
-          <a:p>
-            <a:pPr indent="-342900">
-              <a:spcBef>
-                <a:spcPts val="300"/>
-              </a:spcBef>
-              <a:buSzPct val="100000"/>
-              <a:buFont typeface="Arial"/>
-              <a:buChar char="•"/>
-              <a:defRPr sz="1600">
-                <a:latin typeface="微软雅黑"/>
-                <a:ea typeface="微软雅黑"/>
-                <a:cs typeface="微软雅黑"/>
-                <a:sym typeface="微软雅黑"/>
-              </a:defRPr>
-            </a:pPr>
-            <a:r>
-              <a:t>若必须要升，可以参考client-go的做法，故意在module name时不写v12，在引用的地方加上incompatible，这样在代码里无需改造，侵入性较小</a:t>
-            </a:r>
-          </a:p>
-        </p:txBody>
-      </p:sp>
+        </p:spPr>
+      </p:pic>
     </p:spTree>
   </p:cSld>
   <p:clrMapOvr>
@@ -8707,7 +9209,7 @@
         <p:spPr>
           <a:xfrm>
             <a:off x="213801" y="0"/>
-            <a:ext cx="3349398" cy="487681"/>
+            <a:ext cx="1289319" cy="436881"/>
           </a:xfrm>
           <a:prstGeom prst="rect">
             <a:avLst/>
@@ -8741,21 +9243,31 @@
           <a:p>
             <a:pPr/>
             <a:r>
-              <a:t>踩过的一些坑&amp;一些技巧</a:t>
-            </a:r>
-          </a:p>
-        </p:txBody>
-      </p:sp>
-      <p:sp>
-        <p:nvSpPr>
-          <p:cNvPr id="340" name="内容占位符 2"/>
-          <p:cNvSpPr txBox="1"/>
+              <a:t>A DEMO</a:t>
+            </a:r>
+          </a:p>
+        </p:txBody>
+      </p:sp>
+      <p:pic>
+        <p:nvPicPr>
+          <p:cNvPr id="340" name="图像" descr="图像"/>
+          <p:cNvPicPr>
+            <a:picLocks noChangeAspect="1"/>
+          </p:cNvPicPr>
           <p:nvPr/>
-        </p:nvSpPr>
+        </p:nvPicPr>
+        <p:blipFill>
+          <a:blip r:embed="rId3">
+            <a:extLst/>
+          </a:blip>
+          <a:stretch>
+            <a:fillRect/>
+          </a:stretch>
+        </p:blipFill>
         <p:spPr>
           <a:xfrm>
-            <a:off x="688603" y="1025448"/>
-            <a:ext cx="7766793" cy="1914145"/>
+            <a:off x="425450" y="901700"/>
+            <a:ext cx="8293100" cy="3340100"/>
           </a:xfrm>
           <a:prstGeom prst="rect">
             <a:avLst/>
@@ -8763,129 +9275,8 @@
           <a:ln w="12700">
             <a:miter lim="400000"/>
           </a:ln>
-          <a:extLst>
-            <a:ext uri="{C572A759-6A51-4108-AA02-DFA0A04FC94B}">
-              <ma14:wrappingTextBoxFlag xmlns:ma14="http://schemas.microsoft.com/office/mac/drawingml/2011/main" val="1"/>
-            </a:ext>
-          </a:extLst>
-        </p:spPr>
-        <p:txBody>
-          <a:bodyPr lIns="45719" rIns="45719">
-            <a:spAutoFit/>
-          </a:bodyPr>
-          <a:lstStyle/>
-          <a:p>
-            <a:pPr indent="-342900">
-              <a:spcBef>
-                <a:spcPts val="300"/>
-              </a:spcBef>
-              <a:buSzPct val="100000"/>
-              <a:buFont typeface="Arial"/>
-              <a:buChar char="•"/>
-              <a:defRPr sz="1600">
-                <a:latin typeface="微软雅黑"/>
-                <a:ea typeface="微软雅黑"/>
-                <a:cs typeface="微软雅黑"/>
-                <a:sym typeface="微软雅黑"/>
-              </a:defRPr>
-            </a:pPr>
-            <a:r>
-              <a:t>最新的go 1.13会有一个严格的语义版本检查，在不走proxy下载的情况下，同时在1.12和1.13go get k8s.io/client-go@v12.0.0，前者不会报错，会自动降级到v11.0.0，后者会报错，停止下载</a:t>
-            </a:r>
-          </a:p>
-          <a:p>
-            <a:pPr indent="-342900">
-              <a:spcBef>
-                <a:spcPts val="300"/>
-              </a:spcBef>
-              <a:buSzPct val="100000"/>
-              <a:buFont typeface="Arial"/>
-              <a:buChar char="•"/>
-              <a:defRPr sz="1600">
-                <a:latin typeface="微软雅黑"/>
-                <a:ea typeface="微软雅黑"/>
-                <a:cs typeface="微软雅黑"/>
-                <a:sym typeface="微软雅黑"/>
-              </a:defRPr>
-            </a:pPr>
-            <a:r>
-              <a:t>Go 1.13以后会默认通过 </a:t>
-            </a:r>
-            <a:r>
-              <a:rPr u="sng">
-                <a:solidFill>
-                  <a:srgbClr val="0000FF"/>
-                </a:solidFill>
-                <a:uFill>
-                  <a:solidFill>
-                    <a:srgbClr val="0000FF"/>
-                  </a:solidFill>
-                </a:uFill>
-                <a:hlinkClick r:id="rId3" invalidUrl="" action="" tgtFrame="" tooltip="" history="1" highlightClick="0" endSnd="0"/>
-              </a:rPr>
-              <a:t>https://proxy.golang.org/</a:t>
-            </a:r>
-            <a:r>
-              <a:t>  代理下载包</a:t>
-            </a:r>
-          </a:p>
-          <a:p>
-            <a:pPr indent="-342900">
-              <a:spcBef>
-                <a:spcPts val="300"/>
-              </a:spcBef>
-              <a:buSzPct val="100000"/>
-              <a:buFont typeface="Arial"/>
-              <a:buChar char="•"/>
-              <a:defRPr sz="1600">
-                <a:latin typeface="微软雅黑"/>
-                <a:ea typeface="微软雅黑"/>
-                <a:cs typeface="微软雅黑"/>
-                <a:sym typeface="微软雅黑"/>
-              </a:defRPr>
-            </a:pPr>
-            <a:r>
-              <a:t>go list -m -versions </a:t>
-            </a:r>
-            <a:r>
-              <a:rPr u="sng">
-                <a:solidFill>
-                  <a:srgbClr val="0000FF"/>
-                </a:solidFill>
-                <a:uFill>
-                  <a:solidFill>
-                    <a:srgbClr val="0000FF"/>
-                  </a:solidFill>
-                </a:uFill>
-                <a:hlinkClick r:id="rId4" invalidUrl="" action="" tgtFrame="" tooltip="" history="1" highlightClick="0" endSnd="0"/>
-              </a:rPr>
-              <a:t>k8s.io/client-go</a:t>
-            </a:r>
-            <a:r>
-              <a:t> 可以列出有哪些符合语义化版本的包</a:t>
-            </a:r>
-          </a:p>
-          <a:p>
-            <a:pPr indent="-342900">
-              <a:spcBef>
-                <a:spcPts val="300"/>
-              </a:spcBef>
-              <a:buSzPct val="100000"/>
-              <a:buFont typeface="Arial"/>
-              <a:buChar char="•"/>
-              <a:defRPr sz="1600">
-                <a:latin typeface="微软雅黑"/>
-                <a:ea typeface="微软雅黑"/>
-                <a:cs typeface="微软雅黑"/>
-                <a:sym typeface="微软雅黑"/>
-              </a:defRPr>
-            </a:pPr>
-            <a:r>
-              <a:t>go clean -mocache可以清除掉本地的mod文件夹 便于测试 </a:t>
-            </a:r>
-          </a:p>
-        </p:txBody>
-      </p:sp>
+        </p:spPr>
+      </p:pic>
     </p:spTree>
   </p:cSld>
   <p:clrMapOvr>
@@ -8921,7 +9312,7 @@
         <p:spPr>
           <a:xfrm>
             <a:off x="213801" y="0"/>
-            <a:ext cx="758598" cy="436881"/>
+            <a:ext cx="1289319" cy="436881"/>
           </a:xfrm>
           <a:prstGeom prst="rect">
             <a:avLst/>
@@ -8955,21 +9346,31 @@
           <a:p>
             <a:pPr/>
             <a:r>
-              <a:t>Q&amp;A</a:t>
-            </a:r>
-          </a:p>
-        </p:txBody>
-      </p:sp>
-      <p:sp>
-        <p:nvSpPr>
-          <p:cNvPr id="345" name="Reference:…"/>
-          <p:cNvSpPr txBox="1"/>
+              <a:t>A DEMO</a:t>
+            </a:r>
+          </a:p>
+        </p:txBody>
+      </p:sp>
+      <p:pic>
+        <p:nvPicPr>
+          <p:cNvPr id="345" name="图像" descr="图像"/>
+          <p:cNvPicPr>
+            <a:picLocks noChangeAspect="1"/>
+          </p:cNvPicPr>
           <p:nvPr/>
-        </p:nvSpPr>
+        </p:nvPicPr>
+        <p:blipFill>
+          <a:blip r:embed="rId3">
+            <a:extLst/>
+          </a:blip>
+          <a:stretch>
+            <a:fillRect/>
+          </a:stretch>
+        </p:blipFill>
         <p:spPr>
           <a:xfrm>
-            <a:off x="4241401" y="3443149"/>
-            <a:ext cx="4378262" cy="1161999"/>
+            <a:off x="138937" y="740176"/>
+            <a:ext cx="7810501" cy="3149601"/>
           </a:xfrm>
           <a:prstGeom prst="rect">
             <a:avLst/>
@@ -8977,131 +9378,8 @@
           <a:ln w="12700">
             <a:miter lim="400000"/>
           </a:ln>
-          <a:extLst>
-            <a:ext uri="{C572A759-6A51-4108-AA02-DFA0A04FC94B}">
-              <ma14:wrappingTextBoxFlag xmlns:ma14="http://schemas.microsoft.com/office/mac/drawingml/2011/main" val="1"/>
-            </a:ext>
-          </a:extLst>
-        </p:spPr>
-        <p:txBody>
-          <a:bodyPr wrap="none" lIns="45719" rIns="45719">
-            <a:spAutoFit/>
-          </a:bodyPr>
-          <a:lstStyle/>
-          <a:p>
-            <a:pPr defTabSz="457200">
-              <a:lnSpc>
-                <a:spcPts val="2800"/>
-              </a:lnSpc>
-              <a:defRPr sz="1200" u="sng">
-                <a:latin typeface="Times"/>
-                <a:ea typeface="Times"/>
-                <a:cs typeface="Times"/>
-                <a:sym typeface="Times"/>
-              </a:defRPr>
-            </a:pPr>
-            <a:r>
-              <a:t>Reference:</a:t>
-            </a:r>
-          </a:p>
-          <a:p>
-            <a:pPr defTabSz="457200">
-              <a:lnSpc>
-                <a:spcPts val="2800"/>
-              </a:lnSpc>
-              <a:defRPr sz="1200" u="sng">
-                <a:latin typeface="Times"/>
-                <a:ea typeface="Times"/>
-                <a:cs typeface="Times"/>
-                <a:sym typeface="Times"/>
-              </a:defRPr>
-            </a:pPr>
-            <a:r>
-              <a:rPr>
-                <a:uFill>
-                  <a:solidFill>
-                    <a:srgbClr val="0000FF"/>
-                  </a:solidFill>
-                </a:uFill>
-                <a:hlinkClick r:id="rId3" invalidUrl="" action="" tgtFrame="" tooltip="" history="1" highlightClick="0" endSnd="0"/>
-              </a:rPr>
-              <a:t>https://github.com/golang/go/wiki/Modules</a:t>
-            </a:r>
-          </a:p>
-          <a:p>
-            <a:pPr defTabSz="457200">
-              <a:lnSpc>
-                <a:spcPts val="2800"/>
-              </a:lnSpc>
-              <a:defRPr sz="1200" u="sng">
-                <a:latin typeface="Times"/>
-                <a:ea typeface="Times"/>
-                <a:cs typeface="Times"/>
-                <a:sym typeface="Times"/>
-              </a:defRPr>
-            </a:pPr>
-            <a:r>
-              <a:rPr>
-                <a:uFill>
-                  <a:solidFill>
-                    <a:srgbClr val="0000FF"/>
-                  </a:solidFill>
-                </a:uFill>
-                <a:hlinkClick r:id="rId4" invalidUrl="" action="" tgtFrame="" tooltip="" history="1" highlightClick="0" endSnd="0"/>
-              </a:rPr>
-              <a:t>https://semver.org/lang/zh-CN/</a:t>
-            </a:r>
-          </a:p>
-          <a:p>
-            <a:pPr defTabSz="457200">
-              <a:lnSpc>
-                <a:spcPts val="2800"/>
-              </a:lnSpc>
-              <a:defRPr sz="1200" u="sng">
-                <a:latin typeface="Times"/>
-                <a:ea typeface="Times"/>
-                <a:cs typeface="Times"/>
-                <a:sym typeface="Times"/>
-              </a:defRPr>
-            </a:pPr>
-            <a:r>
-              <a:rPr>
-                <a:uFill>
-                  <a:solidFill>
-                    <a:srgbClr val="0000FF"/>
-                  </a:solidFill>
-                </a:uFill>
-                <a:hlinkClick r:id="rId5" invalidUrl="" action="" tgtFrame="" tooltip="" history="1" highlightClick="0" endSnd="0"/>
-              </a:rPr>
-              <a:t>https://github.com/kubernetes/client-go/issues/670</a:t>
-            </a:r>
-          </a:p>
-          <a:p>
-            <a:pPr defTabSz="457200">
-              <a:lnSpc>
-                <a:spcPts val="2800"/>
-              </a:lnSpc>
-              <a:defRPr sz="1200" u="sng">
-                <a:latin typeface="Times"/>
-                <a:ea typeface="Times"/>
-                <a:cs typeface="Times"/>
-                <a:sym typeface="Times"/>
-              </a:defRPr>
-            </a:pPr>
-            <a:r>
-              <a:rPr>
-                <a:uFill>
-                  <a:solidFill>
-                    <a:srgbClr val="0000FF"/>
-                  </a:solidFill>
-                </a:uFill>
-                <a:hlinkClick r:id="rId6" invalidUrl="" action="" tgtFrame="" tooltip="" history="1" highlightClick="0" endSnd="0"/>
-              </a:rPr>
-              <a:t>https://github.com/golang/go/issues/33558#issuecomment-519762115</a:t>
-            </a:r>
-          </a:p>
-        </p:txBody>
-      </p:sp>
+        </p:spPr>
+      </p:pic>
     </p:spTree>
   </p:cSld>
   <p:clrMapOvr>
@@ -9130,7 +9408,816 @@
       </p:grpSpPr>
       <p:sp>
         <p:nvSpPr>
-          <p:cNvPr id="349" name="标题 1"/>
+          <p:cNvPr id="349" name="文本框 8"/>
+          <p:cNvSpPr txBox="1"/>
+          <p:nvPr/>
+        </p:nvSpPr>
+        <p:spPr>
+          <a:xfrm>
+            <a:off x="213801" y="0"/>
+            <a:ext cx="3180032" cy="487681"/>
+          </a:xfrm>
+          <a:prstGeom prst="rect">
+            <a:avLst/>
+          </a:prstGeom>
+          <a:ln w="12700">
+            <a:miter lim="400000"/>
+          </a:ln>
+          <a:extLst>
+            <a:ext uri="{C572A759-6A51-4108-AA02-DFA0A04FC94B}">
+              <ma14:wrappingTextBoxFlag xmlns:ma14="http://schemas.microsoft.com/office/mac/drawingml/2011/main" val="1"/>
+            </a:ext>
+          </a:extLst>
+        </p:spPr>
+        <p:txBody>
+          <a:bodyPr wrap="none" lIns="34290" tIns="34290" rIns="34290" bIns="34290">
+            <a:spAutoFit/>
+          </a:bodyPr>
+          <a:lstStyle>
+            <a:lvl1pPr>
+              <a:defRPr b="1" sz="2400">
+                <a:solidFill>
+                  <a:srgbClr val="00B050"/>
+                </a:solidFill>
+                <a:latin typeface="微软雅黑"/>
+                <a:ea typeface="微软雅黑"/>
+                <a:cs typeface="微软雅黑"/>
+                <a:sym typeface="微软雅黑"/>
+              </a:defRPr>
+            </a:lvl1pPr>
+          </a:lstStyle>
+          <a:p>
+            <a:pPr/>
+            <a:r>
+              <a:t>升级client-go库的流程</a:t>
+            </a:r>
+          </a:p>
+        </p:txBody>
+      </p:sp>
+      <p:sp>
+        <p:nvSpPr>
+          <p:cNvPr id="350" name="内容占位符 2"/>
+          <p:cNvSpPr txBox="1"/>
+          <p:nvPr/>
+        </p:nvSpPr>
+        <p:spPr>
+          <a:xfrm>
+            <a:off x="688603" y="1016786"/>
+            <a:ext cx="7766793" cy="2773681"/>
+          </a:xfrm>
+          <a:prstGeom prst="rect">
+            <a:avLst/>
+          </a:prstGeom>
+          <a:ln w="12700">
+            <a:miter lim="400000"/>
+          </a:ln>
+          <a:extLst>
+            <a:ext uri="{C572A759-6A51-4108-AA02-DFA0A04FC94B}">
+              <ma14:wrappingTextBoxFlag xmlns:ma14="http://schemas.microsoft.com/office/mac/drawingml/2011/main" val="1"/>
+            </a:ext>
+          </a:extLst>
+        </p:spPr>
+        <p:txBody>
+          <a:bodyPr lIns="45719" rIns="45719">
+            <a:spAutoFit/>
+          </a:bodyPr>
+          <a:lstStyle/>
+          <a:p>
+            <a:pPr indent="-342900">
+              <a:spcBef>
+                <a:spcPts val="300"/>
+              </a:spcBef>
+              <a:buSzPct val="100000"/>
+              <a:buFont typeface="Arial"/>
+              <a:buChar char="•"/>
+              <a:defRPr sz="1600">
+                <a:latin typeface="微软雅黑"/>
+                <a:ea typeface="微软雅黑"/>
+                <a:cs typeface="微软雅黑"/>
+                <a:sym typeface="微软雅黑"/>
+              </a:defRPr>
+            </a:pPr>
+            <a:r>
+              <a:t>目前cleint-go v12.0.0正好对应k8s 1.15版本，因此go.mod 文件中都是</a:t>
+            </a:r>
+          </a:p>
+          <a:p>
+            <a:pPr indent="-342900">
+              <a:spcBef>
+                <a:spcPts val="300"/>
+              </a:spcBef>
+              <a:buSzPct val="100000"/>
+              <a:buFont typeface="Arial"/>
+              <a:buChar char="•"/>
+              <a:defRPr sz="1600">
+                <a:latin typeface="微软雅黑"/>
+                <a:ea typeface="微软雅黑"/>
+                <a:cs typeface="微软雅黑"/>
+                <a:sym typeface="微软雅黑"/>
+              </a:defRPr>
+            </a:pPr>
+            <a:r>
+              <a:rPr>
+                <a:solidFill>
+                  <a:srgbClr val="0052CC"/>
+                </a:solidFill>
+              </a:rPr>
+              <a:t>k8s.io/client-go</a:t>
+            </a:r>
+            <a:r>
+              <a:t> v12.0.0+incompatible</a:t>
+            </a:r>
+          </a:p>
+          <a:p>
+            <a:pPr indent="-342900">
+              <a:spcBef>
+                <a:spcPts val="300"/>
+              </a:spcBef>
+              <a:buSzPct val="100000"/>
+              <a:buFont typeface="Arial"/>
+              <a:buChar char="•"/>
+              <a:defRPr sz="1600">
+                <a:latin typeface="微软雅黑"/>
+                <a:ea typeface="微软雅黑"/>
+                <a:cs typeface="微软雅黑"/>
+                <a:sym typeface="微软雅黑"/>
+              </a:defRPr>
+            </a:pPr>
+            <a:r>
+              <a:t>未来如果出了v13.0.0版本，可以先固定住某些不需要升级的库，然后手动把v12换成v13，删除其他k8s.io相关的，让client-go的go.mod自动去下载依赖</a:t>
+            </a:r>
+          </a:p>
+          <a:p>
+            <a:pPr>
+              <a:spcBef>
+                <a:spcPts val="300"/>
+              </a:spcBef>
+              <a:defRPr sz="1600">
+                <a:latin typeface="微软雅黑"/>
+                <a:ea typeface="微软雅黑"/>
+                <a:cs typeface="微软雅黑"/>
+                <a:sym typeface="微软雅黑"/>
+              </a:defRPr>
+            </a:pPr>
+          </a:p>
+          <a:p>
+            <a:pPr>
+              <a:spcBef>
+                <a:spcPts val="300"/>
+              </a:spcBef>
+              <a:defRPr sz="1600">
+                <a:latin typeface="微软雅黑"/>
+                <a:ea typeface="微软雅黑"/>
+                <a:cs typeface="微软雅黑"/>
+                <a:sym typeface="微软雅黑"/>
+              </a:defRPr>
+            </a:pPr>
+            <a:r>
+              <a:t>+incompatible的原因</a:t>
+            </a:r>
+          </a:p>
+          <a:p>
+            <a:pPr>
+              <a:spcBef>
+                <a:spcPts val="300"/>
+              </a:spcBef>
+              <a:defRPr sz="1600">
+                <a:latin typeface="微软雅黑"/>
+                <a:ea typeface="微软雅黑"/>
+                <a:cs typeface="微软雅黑"/>
+                <a:sym typeface="微软雅黑"/>
+              </a:defRPr>
+            </a:pPr>
+            <a:r>
+              <a:t>尽管cleint-go从v12.0.0开始使用go mod进行管理，但是其module name并没有以/v12结尾，因此这会被go mod认为不符合其规范，为了强制依赖这个版本，需要加上+incompatible，让go tools该怎么做</a:t>
+            </a:r>
+          </a:p>
+        </p:txBody>
+      </p:sp>
+    </p:spTree>
+  </p:cSld>
+  <p:clrMapOvr>
+    <a:masterClrMapping/>
+  </p:clrMapOvr>
+  <p:transition xmlns:p14="http://schemas.microsoft.com/office/powerpoint/2010/main" spd="med" advClick="1"/>
+</p:sld>
+</file>
+
+<file path=ppt/slides/slide14.xml><?xml version="1.0" encoding="utf-8"?>
+<p:sld xmlns:a="http://schemas.openxmlformats.org/drawingml/2006/main" xmlns:r="http://schemas.openxmlformats.org/officeDocument/2006/relationships" xmlns:p="http://schemas.openxmlformats.org/presentationml/2006/main" xmlns:m="http://schemas.openxmlformats.org/officeDocument/2006/math" xmlns:a14="http://schemas.microsoft.com/office/drawing/2010/main" showMasterSp="1" showMasterPhAnim="1">
+  <p:cSld>
+    <p:spTree>
+      <p:nvGrpSpPr>
+        <p:cNvPr id="1" name=""/>
+        <p:cNvGrpSpPr/>
+        <p:nvPr/>
+      </p:nvGrpSpPr>
+      <p:grpSpPr>
+        <a:xfrm>
+          <a:off x="0" y="0"/>
+          <a:ext cx="0" cy="0"/>
+          <a:chOff x="0" y="0"/>
+          <a:chExt cx="0" cy="0"/>
+        </a:xfrm>
+      </p:grpSpPr>
+      <p:sp>
+        <p:nvSpPr>
+          <p:cNvPr id="354" name="文本框 8"/>
+          <p:cNvSpPr txBox="1"/>
+          <p:nvPr/>
+        </p:nvSpPr>
+        <p:spPr>
+          <a:xfrm>
+            <a:off x="213801" y="0"/>
+            <a:ext cx="2824481" cy="487681"/>
+          </a:xfrm>
+          <a:prstGeom prst="rect">
+            <a:avLst/>
+          </a:prstGeom>
+          <a:ln w="12700">
+            <a:miter lim="400000"/>
+          </a:ln>
+          <a:extLst>
+            <a:ext uri="{C572A759-6A51-4108-AA02-DFA0A04FC94B}">
+              <ma14:wrappingTextBoxFlag xmlns:ma14="http://schemas.microsoft.com/office/mac/drawingml/2011/main" val="1"/>
+            </a:ext>
+          </a:extLst>
+        </p:spPr>
+        <p:txBody>
+          <a:bodyPr wrap="none" lIns="34290" tIns="34290" rIns="34290" bIns="34290">
+            <a:spAutoFit/>
+          </a:bodyPr>
+          <a:lstStyle>
+            <a:lvl1pPr>
+              <a:defRPr b="1" sz="2400">
+                <a:solidFill>
+                  <a:srgbClr val="00B050"/>
+                </a:solidFill>
+                <a:latin typeface="微软雅黑"/>
+                <a:ea typeface="微软雅黑"/>
+                <a:cs typeface="微软雅黑"/>
+                <a:sym typeface="微软雅黑"/>
+              </a:defRPr>
+            </a:lvl1pPr>
+          </a:lstStyle>
+          <a:p>
+            <a:pPr/>
+            <a:r>
+              <a:t>自有项目的维护建议</a:t>
+            </a:r>
+          </a:p>
+        </p:txBody>
+      </p:sp>
+      <p:sp>
+        <p:nvSpPr>
+          <p:cNvPr id="355" name="内容占位符 2"/>
+          <p:cNvSpPr txBox="1"/>
+          <p:nvPr/>
+        </p:nvSpPr>
+        <p:spPr>
+          <a:xfrm>
+            <a:off x="688603" y="1025448"/>
+            <a:ext cx="7766793" cy="1865377"/>
+          </a:xfrm>
+          <a:prstGeom prst="rect">
+            <a:avLst/>
+          </a:prstGeom>
+          <a:ln w="12700">
+            <a:miter lim="400000"/>
+          </a:ln>
+          <a:extLst>
+            <a:ext uri="{C572A759-6A51-4108-AA02-DFA0A04FC94B}">
+              <ma14:wrappingTextBoxFlag xmlns:ma14="http://schemas.microsoft.com/office/mac/drawingml/2011/main" val="1"/>
+            </a:ext>
+          </a:extLst>
+        </p:spPr>
+        <p:txBody>
+          <a:bodyPr lIns="45719" rIns="45719">
+            <a:spAutoFit/>
+          </a:bodyPr>
+          <a:lstStyle/>
+          <a:p>
+            <a:pPr indent="-342900">
+              <a:spcBef>
+                <a:spcPts val="300"/>
+              </a:spcBef>
+              <a:buSzPct val="100000"/>
+              <a:buFont typeface="Arial"/>
+              <a:buChar char="•"/>
+              <a:defRPr sz="1600">
+                <a:latin typeface="微软雅黑"/>
+                <a:ea typeface="微软雅黑"/>
+                <a:cs typeface="微软雅黑"/>
+                <a:sym typeface="微软雅黑"/>
+              </a:defRPr>
+            </a:pPr>
+            <a:r>
+              <a:t>根据semver，tag v0.x.x是测试版本，tag v1.x.x是稳定版本 tag v2.x.x不兼容v1</a:t>
+            </a:r>
+          </a:p>
+          <a:p>
+            <a:pPr indent="-342900">
+              <a:spcBef>
+                <a:spcPts val="300"/>
+              </a:spcBef>
+              <a:buSzPct val="100000"/>
+              <a:buFont typeface="Arial"/>
+              <a:buChar char="•"/>
+              <a:defRPr sz="1600">
+                <a:latin typeface="微软雅黑"/>
+                <a:ea typeface="微软雅黑"/>
+                <a:cs typeface="微软雅黑"/>
+                <a:sym typeface="微软雅黑"/>
+              </a:defRPr>
+            </a:pPr>
+            <a:r>
+              <a:t>不建议轻易升级major version &gt;=2，因为根据go mod的约束</a:t>
+            </a:r>
+            <a:br/>
+            <a:r>
+              <a:t>一旦主版本&gt;=2，module name和require以及import都需要修改，这对代码的侵入性和改造较大</a:t>
+            </a:r>
+          </a:p>
+          <a:p>
+            <a:pPr indent="-342900">
+              <a:spcBef>
+                <a:spcPts val="300"/>
+              </a:spcBef>
+              <a:buSzPct val="100000"/>
+              <a:buFont typeface="Arial"/>
+              <a:buChar char="•"/>
+              <a:defRPr sz="1600">
+                <a:latin typeface="微软雅黑"/>
+                <a:ea typeface="微软雅黑"/>
+                <a:cs typeface="微软雅黑"/>
+                <a:sym typeface="微软雅黑"/>
+              </a:defRPr>
+            </a:pPr>
+            <a:r>
+              <a:t>若必须要升，可以参考client-go的做法，故意在module name时不写v12，在引用的地方加上incompatible，这样在代码里无需改造，侵入性较小</a:t>
+            </a:r>
+          </a:p>
+        </p:txBody>
+      </p:sp>
+    </p:spTree>
+  </p:cSld>
+  <p:clrMapOvr>
+    <a:masterClrMapping/>
+  </p:clrMapOvr>
+  <p:transition xmlns:p14="http://schemas.microsoft.com/office/powerpoint/2010/main" spd="med" advClick="1"/>
+</p:sld>
+</file>
+
+<file path=ppt/slides/slide15.xml><?xml version="1.0" encoding="utf-8"?>
+<p:sld xmlns:a="http://schemas.openxmlformats.org/drawingml/2006/main" xmlns:r="http://schemas.openxmlformats.org/officeDocument/2006/relationships" xmlns:p="http://schemas.openxmlformats.org/presentationml/2006/main" xmlns:m="http://schemas.openxmlformats.org/officeDocument/2006/math" xmlns:a14="http://schemas.microsoft.com/office/drawing/2010/main" showMasterSp="1" showMasterPhAnim="1">
+  <p:cSld>
+    <p:spTree>
+      <p:nvGrpSpPr>
+        <p:cNvPr id="1" name=""/>
+        <p:cNvGrpSpPr/>
+        <p:nvPr/>
+      </p:nvGrpSpPr>
+      <p:grpSpPr>
+        <a:xfrm>
+          <a:off x="0" y="0"/>
+          <a:ext cx="0" cy="0"/>
+          <a:chOff x="0" y="0"/>
+          <a:chExt cx="0" cy="0"/>
+        </a:xfrm>
+      </p:grpSpPr>
+      <p:sp>
+        <p:nvSpPr>
+          <p:cNvPr id="359" name="文本框 8"/>
+          <p:cNvSpPr txBox="1"/>
+          <p:nvPr/>
+        </p:nvSpPr>
+        <p:spPr>
+          <a:xfrm>
+            <a:off x="213801" y="0"/>
+            <a:ext cx="3349398" cy="487681"/>
+          </a:xfrm>
+          <a:prstGeom prst="rect">
+            <a:avLst/>
+          </a:prstGeom>
+          <a:ln w="12700">
+            <a:miter lim="400000"/>
+          </a:ln>
+          <a:extLst>
+            <a:ext uri="{C572A759-6A51-4108-AA02-DFA0A04FC94B}">
+              <ma14:wrappingTextBoxFlag xmlns:ma14="http://schemas.microsoft.com/office/mac/drawingml/2011/main" val="1"/>
+            </a:ext>
+          </a:extLst>
+        </p:spPr>
+        <p:txBody>
+          <a:bodyPr wrap="none" lIns="34290" tIns="34290" rIns="34290" bIns="34290">
+            <a:spAutoFit/>
+          </a:bodyPr>
+          <a:lstStyle>
+            <a:lvl1pPr>
+              <a:defRPr b="1" sz="2400">
+                <a:solidFill>
+                  <a:srgbClr val="00B050"/>
+                </a:solidFill>
+                <a:latin typeface="微软雅黑"/>
+                <a:ea typeface="微软雅黑"/>
+                <a:cs typeface="微软雅黑"/>
+                <a:sym typeface="微软雅黑"/>
+              </a:defRPr>
+            </a:lvl1pPr>
+          </a:lstStyle>
+          <a:p>
+            <a:pPr/>
+            <a:r>
+              <a:t>踩过的一些坑&amp;一些技巧</a:t>
+            </a:r>
+          </a:p>
+        </p:txBody>
+      </p:sp>
+      <p:sp>
+        <p:nvSpPr>
+          <p:cNvPr id="360" name="内容占位符 2"/>
+          <p:cNvSpPr txBox="1"/>
+          <p:nvPr/>
+        </p:nvSpPr>
+        <p:spPr>
+          <a:xfrm>
+            <a:off x="688603" y="1025448"/>
+            <a:ext cx="7766793" cy="1914145"/>
+          </a:xfrm>
+          <a:prstGeom prst="rect">
+            <a:avLst/>
+          </a:prstGeom>
+          <a:ln w="12700">
+            <a:miter lim="400000"/>
+          </a:ln>
+          <a:extLst>
+            <a:ext uri="{C572A759-6A51-4108-AA02-DFA0A04FC94B}">
+              <ma14:wrappingTextBoxFlag xmlns:ma14="http://schemas.microsoft.com/office/mac/drawingml/2011/main" val="1"/>
+            </a:ext>
+          </a:extLst>
+        </p:spPr>
+        <p:txBody>
+          <a:bodyPr lIns="45719" rIns="45719">
+            <a:spAutoFit/>
+          </a:bodyPr>
+          <a:lstStyle/>
+          <a:p>
+            <a:pPr indent="-342900">
+              <a:spcBef>
+                <a:spcPts val="300"/>
+              </a:spcBef>
+              <a:buSzPct val="100000"/>
+              <a:buFont typeface="Arial"/>
+              <a:buChar char="•"/>
+              <a:defRPr sz="1600">
+                <a:latin typeface="微软雅黑"/>
+                <a:ea typeface="微软雅黑"/>
+                <a:cs typeface="微软雅黑"/>
+                <a:sym typeface="微软雅黑"/>
+              </a:defRPr>
+            </a:pPr>
+            <a:r>
+              <a:t>最新的go 1.13会有一个严格的语义版本检查，在不走proxy下载的情况下，同时在1.12和1.13go get k8s.io/client-go@v12.0.0，前者不会报错，会自动降级到v11.0.0，后者会报错，停止下载</a:t>
+            </a:r>
+          </a:p>
+          <a:p>
+            <a:pPr indent="-342900">
+              <a:spcBef>
+                <a:spcPts val="300"/>
+              </a:spcBef>
+              <a:buSzPct val="100000"/>
+              <a:buFont typeface="Arial"/>
+              <a:buChar char="•"/>
+              <a:defRPr sz="1600">
+                <a:latin typeface="微软雅黑"/>
+                <a:ea typeface="微软雅黑"/>
+                <a:cs typeface="微软雅黑"/>
+                <a:sym typeface="微软雅黑"/>
+              </a:defRPr>
+            </a:pPr>
+            <a:r>
+              <a:t>Go 1.13以后会默认通过 </a:t>
+            </a:r>
+            <a:r>
+              <a:rPr u="sng">
+                <a:solidFill>
+                  <a:srgbClr val="0000FF"/>
+                </a:solidFill>
+                <a:uFill>
+                  <a:solidFill>
+                    <a:srgbClr val="0000FF"/>
+                  </a:solidFill>
+                </a:uFill>
+                <a:hlinkClick r:id="rId3" invalidUrl="" action="" tgtFrame="" tooltip="" history="1" highlightClick="0" endSnd="0"/>
+              </a:rPr>
+              <a:t>https://proxy.golang.org/</a:t>
+            </a:r>
+            <a:r>
+              <a:t>  代理下载包</a:t>
+            </a:r>
+          </a:p>
+          <a:p>
+            <a:pPr indent="-342900">
+              <a:spcBef>
+                <a:spcPts val="300"/>
+              </a:spcBef>
+              <a:buSzPct val="100000"/>
+              <a:buFont typeface="Arial"/>
+              <a:buChar char="•"/>
+              <a:defRPr sz="1600">
+                <a:latin typeface="微软雅黑"/>
+                <a:ea typeface="微软雅黑"/>
+                <a:cs typeface="微软雅黑"/>
+                <a:sym typeface="微软雅黑"/>
+              </a:defRPr>
+            </a:pPr>
+            <a:r>
+              <a:t>go list -m -versions </a:t>
+            </a:r>
+            <a:r>
+              <a:rPr u="sng">
+                <a:solidFill>
+                  <a:srgbClr val="0000FF"/>
+                </a:solidFill>
+                <a:uFill>
+                  <a:solidFill>
+                    <a:srgbClr val="0000FF"/>
+                  </a:solidFill>
+                </a:uFill>
+                <a:hlinkClick r:id="rId4" invalidUrl="" action="" tgtFrame="" tooltip="" history="1" highlightClick="0" endSnd="0"/>
+              </a:rPr>
+              <a:t>k8s.io/client-go</a:t>
+            </a:r>
+            <a:r>
+              <a:t> 可以列出有哪些符合语义化版本的包</a:t>
+            </a:r>
+          </a:p>
+          <a:p>
+            <a:pPr indent="-342900">
+              <a:spcBef>
+                <a:spcPts val="300"/>
+              </a:spcBef>
+              <a:buSzPct val="100000"/>
+              <a:buFont typeface="Arial"/>
+              <a:buChar char="•"/>
+              <a:defRPr sz="1600">
+                <a:latin typeface="微软雅黑"/>
+                <a:ea typeface="微软雅黑"/>
+                <a:cs typeface="微软雅黑"/>
+                <a:sym typeface="微软雅黑"/>
+              </a:defRPr>
+            </a:pPr>
+            <a:r>
+              <a:t>go clean -mocache可以清除掉本地的mod文件夹 便于测试 </a:t>
+            </a:r>
+          </a:p>
+        </p:txBody>
+      </p:sp>
+    </p:spTree>
+  </p:cSld>
+  <p:clrMapOvr>
+    <a:masterClrMapping/>
+  </p:clrMapOvr>
+  <p:transition xmlns:p14="http://schemas.microsoft.com/office/powerpoint/2010/main" spd="med" advClick="1"/>
+</p:sld>
+</file>
+
+<file path=ppt/slides/slide16.xml><?xml version="1.0" encoding="utf-8"?>
+<p:sld xmlns:a="http://schemas.openxmlformats.org/drawingml/2006/main" xmlns:r="http://schemas.openxmlformats.org/officeDocument/2006/relationships" xmlns:p="http://schemas.openxmlformats.org/presentationml/2006/main" xmlns:m="http://schemas.openxmlformats.org/officeDocument/2006/math" xmlns:a14="http://schemas.microsoft.com/office/drawing/2010/main" showMasterSp="1" showMasterPhAnim="1">
+  <p:cSld>
+    <p:spTree>
+      <p:nvGrpSpPr>
+        <p:cNvPr id="1" name=""/>
+        <p:cNvGrpSpPr/>
+        <p:nvPr/>
+      </p:nvGrpSpPr>
+      <p:grpSpPr>
+        <a:xfrm>
+          <a:off x="0" y="0"/>
+          <a:ext cx="0" cy="0"/>
+          <a:chOff x="0" y="0"/>
+          <a:chExt cx="0" cy="0"/>
+        </a:xfrm>
+      </p:grpSpPr>
+      <p:sp>
+        <p:nvSpPr>
+          <p:cNvPr id="364" name="文本框 8"/>
+          <p:cNvSpPr txBox="1"/>
+          <p:nvPr/>
+        </p:nvSpPr>
+        <p:spPr>
+          <a:xfrm>
+            <a:off x="213801" y="0"/>
+            <a:ext cx="758598" cy="436881"/>
+          </a:xfrm>
+          <a:prstGeom prst="rect">
+            <a:avLst/>
+          </a:prstGeom>
+          <a:ln w="12700">
+            <a:miter lim="400000"/>
+          </a:ln>
+          <a:extLst>
+            <a:ext uri="{C572A759-6A51-4108-AA02-DFA0A04FC94B}">
+              <ma14:wrappingTextBoxFlag xmlns:ma14="http://schemas.microsoft.com/office/mac/drawingml/2011/main" val="1"/>
+            </a:ext>
+          </a:extLst>
+        </p:spPr>
+        <p:txBody>
+          <a:bodyPr wrap="none" lIns="34290" tIns="34290" rIns="34290" bIns="34290">
+            <a:spAutoFit/>
+          </a:bodyPr>
+          <a:lstStyle>
+            <a:lvl1pPr>
+              <a:defRPr b="1" sz="2400">
+                <a:solidFill>
+                  <a:srgbClr val="00B050"/>
+                </a:solidFill>
+                <a:latin typeface="微软雅黑"/>
+                <a:ea typeface="微软雅黑"/>
+                <a:cs typeface="微软雅黑"/>
+                <a:sym typeface="微软雅黑"/>
+              </a:defRPr>
+            </a:lvl1pPr>
+          </a:lstStyle>
+          <a:p>
+            <a:pPr/>
+            <a:r>
+              <a:t>Q&amp;A</a:t>
+            </a:r>
+          </a:p>
+        </p:txBody>
+      </p:sp>
+      <p:sp>
+        <p:nvSpPr>
+          <p:cNvPr id="365" name="Reference:…"/>
+          <p:cNvSpPr txBox="1"/>
+          <p:nvPr/>
+        </p:nvSpPr>
+        <p:spPr>
+          <a:xfrm>
+            <a:off x="4241401" y="3443149"/>
+            <a:ext cx="4378262" cy="1161999"/>
+          </a:xfrm>
+          <a:prstGeom prst="rect">
+            <a:avLst/>
+          </a:prstGeom>
+          <a:ln w="12700">
+            <a:miter lim="400000"/>
+          </a:ln>
+          <a:extLst>
+            <a:ext uri="{C572A759-6A51-4108-AA02-DFA0A04FC94B}">
+              <ma14:wrappingTextBoxFlag xmlns:ma14="http://schemas.microsoft.com/office/mac/drawingml/2011/main" val="1"/>
+            </a:ext>
+          </a:extLst>
+        </p:spPr>
+        <p:txBody>
+          <a:bodyPr wrap="none" lIns="45719" rIns="45719">
+            <a:spAutoFit/>
+          </a:bodyPr>
+          <a:lstStyle/>
+          <a:p>
+            <a:pPr defTabSz="457200">
+              <a:lnSpc>
+                <a:spcPts val="2800"/>
+              </a:lnSpc>
+              <a:defRPr sz="1200" u="sng">
+                <a:latin typeface="Times"/>
+                <a:ea typeface="Times"/>
+                <a:cs typeface="Times"/>
+                <a:sym typeface="Times"/>
+              </a:defRPr>
+            </a:pPr>
+            <a:r>
+              <a:t>Reference:</a:t>
+            </a:r>
+          </a:p>
+          <a:p>
+            <a:pPr defTabSz="457200">
+              <a:lnSpc>
+                <a:spcPts val="2800"/>
+              </a:lnSpc>
+              <a:defRPr sz="1200" u="sng">
+                <a:latin typeface="Times"/>
+                <a:ea typeface="Times"/>
+                <a:cs typeface="Times"/>
+                <a:sym typeface="Times"/>
+              </a:defRPr>
+            </a:pPr>
+            <a:r>
+              <a:rPr>
+                <a:uFill>
+                  <a:solidFill>
+                    <a:srgbClr val="0000FF"/>
+                  </a:solidFill>
+                </a:uFill>
+                <a:hlinkClick r:id="rId3" invalidUrl="" action="" tgtFrame="" tooltip="" history="1" highlightClick="0" endSnd="0"/>
+              </a:rPr>
+              <a:t>https://github.com/golang/go/wiki/Modules</a:t>
+            </a:r>
+          </a:p>
+          <a:p>
+            <a:pPr defTabSz="457200">
+              <a:lnSpc>
+                <a:spcPts val="2800"/>
+              </a:lnSpc>
+              <a:defRPr sz="1200" u="sng">
+                <a:latin typeface="Times"/>
+                <a:ea typeface="Times"/>
+                <a:cs typeface="Times"/>
+                <a:sym typeface="Times"/>
+              </a:defRPr>
+            </a:pPr>
+            <a:r>
+              <a:rPr>
+                <a:uFill>
+                  <a:solidFill>
+                    <a:srgbClr val="0000FF"/>
+                  </a:solidFill>
+                </a:uFill>
+                <a:hlinkClick r:id="rId4" invalidUrl="" action="" tgtFrame="" tooltip="" history="1" highlightClick="0" endSnd="0"/>
+              </a:rPr>
+              <a:t>https://semver.org/lang/zh-CN/</a:t>
+            </a:r>
+          </a:p>
+          <a:p>
+            <a:pPr defTabSz="457200">
+              <a:lnSpc>
+                <a:spcPts val="2800"/>
+              </a:lnSpc>
+              <a:defRPr sz="1200" u="sng">
+                <a:latin typeface="Times"/>
+                <a:ea typeface="Times"/>
+                <a:cs typeface="Times"/>
+                <a:sym typeface="Times"/>
+              </a:defRPr>
+            </a:pPr>
+            <a:r>
+              <a:rPr>
+                <a:uFill>
+                  <a:solidFill>
+                    <a:srgbClr val="0000FF"/>
+                  </a:solidFill>
+                </a:uFill>
+                <a:hlinkClick r:id="rId5" invalidUrl="" action="" tgtFrame="" tooltip="" history="1" highlightClick="0" endSnd="0"/>
+              </a:rPr>
+              <a:t>https://github.com/kubernetes/client-go/issues/670</a:t>
+            </a:r>
+          </a:p>
+          <a:p>
+            <a:pPr defTabSz="457200">
+              <a:lnSpc>
+                <a:spcPts val="2800"/>
+              </a:lnSpc>
+              <a:defRPr sz="1200" u="sng">
+                <a:latin typeface="Times"/>
+                <a:ea typeface="Times"/>
+                <a:cs typeface="Times"/>
+                <a:sym typeface="Times"/>
+              </a:defRPr>
+            </a:pPr>
+            <a:r>
+              <a:rPr>
+                <a:uFill>
+                  <a:solidFill>
+                    <a:srgbClr val="0000FF"/>
+                  </a:solidFill>
+                </a:uFill>
+                <a:hlinkClick r:id="rId6" invalidUrl="" action="" tgtFrame="" tooltip="" history="1" highlightClick="0" endSnd="0"/>
+              </a:rPr>
+              <a:t>https://github.com/golang/go/issues/33558#issuecomment-519762115</a:t>
+            </a:r>
+          </a:p>
+        </p:txBody>
+      </p:sp>
+    </p:spTree>
+  </p:cSld>
+  <p:clrMapOvr>
+    <a:masterClrMapping/>
+  </p:clrMapOvr>
+  <p:transition xmlns:p14="http://schemas.microsoft.com/office/powerpoint/2010/main" spd="med" advClick="1"/>
+</p:sld>
+</file>
+
+<file path=ppt/slides/slide17.xml><?xml version="1.0" encoding="utf-8"?>
+<p:sld xmlns:a="http://schemas.openxmlformats.org/drawingml/2006/main" xmlns:r="http://schemas.openxmlformats.org/officeDocument/2006/relationships" xmlns:p="http://schemas.openxmlformats.org/presentationml/2006/main" xmlns:m="http://schemas.openxmlformats.org/officeDocument/2006/math" xmlns:a14="http://schemas.microsoft.com/office/drawing/2010/main" showMasterSp="1" showMasterPhAnim="1">
+  <p:cSld>
+    <p:spTree>
+      <p:nvGrpSpPr>
+        <p:cNvPr id="1" name=""/>
+        <p:cNvGrpSpPr/>
+        <p:nvPr/>
+      </p:nvGrpSpPr>
+      <p:grpSpPr>
+        <a:xfrm>
+          <a:off x="0" y="0"/>
+          <a:ext cx="0" cy="0"/>
+          <a:chOff x="0" y="0"/>
+          <a:chExt cx="0" cy="0"/>
+        </a:xfrm>
+      </p:grpSpPr>
+      <p:sp>
+        <p:nvSpPr>
+          <p:cNvPr id="369" name="标题 1"/>
           <p:cNvSpPr txBox="1"/>
           <p:nvPr>
             <p:ph type="title"/>
@@ -9663,7 +10750,7 @@
         <p:spPr>
           <a:xfrm>
             <a:off x="213801" y="0"/>
-            <a:ext cx="3891281" cy="487681"/>
+            <a:ext cx="2858117" cy="487681"/>
           </a:xfrm>
           <a:prstGeom prst="rect">
             <a:avLst/>
@@ -9681,8 +10768,9 @@
           <a:bodyPr wrap="none" lIns="34290" tIns="34290" rIns="34290" bIns="34290">
             <a:spAutoFit/>
           </a:bodyPr>
-          <a:lstStyle>
-            <a:lvl1pPr>
+          <a:lstStyle/>
+          <a:p>
+            <a:pPr lvl="1">
               <a:defRPr b="1" sz="2400">
                 <a:solidFill>
                   <a:srgbClr val="00B050"/>
@@ -9692,26 +10780,33 @@
                 <a:cs typeface="微软雅黑"/>
                 <a:sym typeface="微软雅黑"/>
               </a:defRPr>
-            </a:lvl1pPr>
-          </a:lstStyle>
-          <a:p>
-            <a:pPr/>
-            <a:r>
-              <a:t>Go module 初始化拉取规则</a:t>
-            </a:r>
-          </a:p>
-        </p:txBody>
-      </p:sp>
-      <p:sp>
-        <p:nvSpPr>
-          <p:cNvPr id="310" name="Rectangle 1"/>
-          <p:cNvSpPr txBox="1"/>
+            </a:pPr>
+            <a:r>
+              <a:t>go.mod文件组成</a:t>
+            </a:r>
+          </a:p>
+        </p:txBody>
+      </p:sp>
+      <p:pic>
+        <p:nvPicPr>
+          <p:cNvPr id="310" name="图像" descr="图像"/>
+          <p:cNvPicPr>
+            <a:picLocks noChangeAspect="1"/>
+          </p:cNvPicPr>
           <p:nvPr/>
-        </p:nvSpPr>
+        </p:nvPicPr>
+        <p:blipFill>
+          <a:blip r:embed="rId3">
+            <a:extLst/>
+          </a:blip>
+          <a:stretch>
+            <a:fillRect/>
+          </a:stretch>
+        </p:blipFill>
         <p:spPr>
           <a:xfrm>
-            <a:off x="1953423" y="1347614"/>
-            <a:ext cx="4480561" cy="1353821"/>
+            <a:off x="0" y="659693"/>
+            <a:ext cx="8391015" cy="4201110"/>
           </a:xfrm>
           <a:prstGeom prst="rect">
             <a:avLst/>
@@ -9719,110 +10814,8 @@
           <a:ln w="12700">
             <a:miter lim="400000"/>
           </a:ln>
-          <a:extLst>
-            <a:ext uri="{C572A759-6A51-4108-AA02-DFA0A04FC94B}">
-              <ma14:wrappingTextBoxFlag xmlns:ma14="http://schemas.microsoft.com/office/mac/drawingml/2011/main" val="1"/>
-            </a:ext>
-          </a:extLst>
-        </p:spPr>
-        <p:txBody>
-          <a:bodyPr lIns="45719" rIns="45719">
-            <a:spAutoFit/>
-          </a:bodyPr>
-          <a:lstStyle/>
-          <a:p>
-            <a:pPr marL="285750" indent="-285750">
-              <a:lnSpc>
-                <a:spcPct val="110000"/>
-              </a:lnSpc>
-              <a:spcBef>
-                <a:spcPts val="300"/>
-              </a:spcBef>
-              <a:buSzPct val="100000"/>
-              <a:buFont typeface="Arial"/>
-              <a:buChar char="•"/>
-              <a:defRPr sz="1600">
-                <a:latin typeface="微软雅黑"/>
-                <a:ea typeface="微软雅黑"/>
-                <a:cs typeface="微软雅黑"/>
-                <a:sym typeface="微软雅黑"/>
-              </a:defRPr>
-            </a:pPr>
-            <a:r>
-              <a:t>Go mod init 以后，go mod 默认会拉取最新代码，如下优先级递减:</a:t>
-            </a:r>
-          </a:p>
-          <a:p>
-            <a:pPr lvl="1" indent="228600" defTabSz="457200">
-              <a:lnSpc>
-                <a:spcPts val="3300"/>
-              </a:lnSpc>
-              <a:defRPr sz="1400">
-                <a:solidFill>
-                  <a:srgbClr val="3E4042"/>
-                </a:solidFill>
-                <a:latin typeface="+mj-lt"/>
-                <a:ea typeface="+mj-ea"/>
-                <a:cs typeface="+mj-cs"/>
-                <a:sym typeface="Helvetica"/>
-              </a:defRPr>
-            </a:pPr>
-            <a:r>
-              <a:t>latest tagged stable (non-</a:t>
-            </a:r>
-            <a:r>
-              <a:rPr>
-                <a:solidFill>
-                  <a:srgbClr val="0052CC"/>
-                </a:solidFill>
-                <a:hlinkClick r:id="rId3" invalidUrl="" action="" tgtFrame="" tooltip="" history="1" highlightClick="0" endSnd="0"/>
-              </a:rPr>
-              <a:t>prerelease</a:t>
-            </a:r>
-            <a:r>
-              <a:t>) version</a:t>
-            </a:r>
-          </a:p>
-          <a:p>
-            <a:pPr lvl="1" indent="228600" defTabSz="457200">
-              <a:lnSpc>
-                <a:spcPts val="3300"/>
-              </a:lnSpc>
-              <a:defRPr sz="1400">
-                <a:solidFill>
-                  <a:srgbClr val="3E4042"/>
-                </a:solidFill>
-                <a:latin typeface="+mj-lt"/>
-                <a:ea typeface="+mj-ea"/>
-                <a:cs typeface="+mj-cs"/>
-                <a:sym typeface="Helvetica"/>
-              </a:defRPr>
-            </a:pPr>
-            <a:r>
-              <a:t>latest tagged prerelease version</a:t>
-            </a:r>
-          </a:p>
-          <a:p>
-            <a:pPr lvl="1" indent="228600" defTabSz="457200">
-              <a:lnSpc>
-                <a:spcPts val="3300"/>
-              </a:lnSpc>
-              <a:defRPr sz="1400">
-                <a:solidFill>
-                  <a:srgbClr val="3E4042"/>
-                </a:solidFill>
-                <a:latin typeface="+mj-lt"/>
-                <a:ea typeface="+mj-ea"/>
-                <a:cs typeface="+mj-cs"/>
-                <a:sym typeface="Helvetica"/>
-              </a:defRPr>
-            </a:pPr>
-            <a:r>
-              <a:t>latest untagged version</a:t>
-            </a:r>
-          </a:p>
-        </p:txBody>
-      </p:sp>
+        </p:spPr>
+      </p:pic>
     </p:spTree>
   </p:cSld>
   <p:clrMapOvr>
@@ -9858,7 +10851,7 @@
         <p:spPr>
           <a:xfrm>
             <a:off x="213801" y="0"/>
-            <a:ext cx="4112440" cy="436881"/>
+            <a:ext cx="3891281" cy="487681"/>
           </a:xfrm>
           <a:prstGeom prst="rect">
             <a:avLst/>
@@ -9892,31 +10885,21 @@
           <a:p>
             <a:pPr/>
             <a:r>
-              <a:t>Semantic Import Versioning</a:t>
-            </a:r>
-          </a:p>
-        </p:txBody>
-      </p:sp>
-      <p:pic>
-        <p:nvPicPr>
-          <p:cNvPr id="315" name="图像" descr="图像"/>
-          <p:cNvPicPr>
-            <a:picLocks noChangeAspect="1"/>
-          </p:cNvPicPr>
+              <a:t>Go module 初始化拉取规则</a:t>
+            </a:r>
+          </a:p>
+        </p:txBody>
+      </p:sp>
+      <p:sp>
+        <p:nvSpPr>
+          <p:cNvPr id="315" name="Rectangle 1"/>
+          <p:cNvSpPr txBox="1"/>
           <p:nvPr/>
-        </p:nvPicPr>
-        <p:blipFill>
-          <a:blip r:embed="rId3">
-            <a:extLst/>
-          </a:blip>
-          <a:stretch>
-            <a:fillRect/>
-          </a:stretch>
-        </p:blipFill>
+        </p:nvSpPr>
         <p:spPr>
           <a:xfrm>
-            <a:off x="1663700" y="1155700"/>
-            <a:ext cx="5816600" cy="2832100"/>
+            <a:off x="1953423" y="1347614"/>
+            <a:ext cx="4480561" cy="1353821"/>
           </a:xfrm>
           <a:prstGeom prst="rect">
             <a:avLst/>
@@ -9924,8 +10907,110 @@
           <a:ln w="12700">
             <a:miter lim="400000"/>
           </a:ln>
-        </p:spPr>
-      </p:pic>
+          <a:extLst>
+            <a:ext uri="{C572A759-6A51-4108-AA02-DFA0A04FC94B}">
+              <ma14:wrappingTextBoxFlag xmlns:ma14="http://schemas.microsoft.com/office/mac/drawingml/2011/main" val="1"/>
+            </a:ext>
+          </a:extLst>
+        </p:spPr>
+        <p:txBody>
+          <a:bodyPr lIns="45719" rIns="45719">
+            <a:spAutoFit/>
+          </a:bodyPr>
+          <a:lstStyle/>
+          <a:p>
+            <a:pPr marL="285750" indent="-285750">
+              <a:lnSpc>
+                <a:spcPct val="110000"/>
+              </a:lnSpc>
+              <a:spcBef>
+                <a:spcPts val="300"/>
+              </a:spcBef>
+              <a:buSzPct val="100000"/>
+              <a:buFont typeface="Arial"/>
+              <a:buChar char="•"/>
+              <a:defRPr sz="1600">
+                <a:latin typeface="微软雅黑"/>
+                <a:ea typeface="微软雅黑"/>
+                <a:cs typeface="微软雅黑"/>
+                <a:sym typeface="微软雅黑"/>
+              </a:defRPr>
+            </a:pPr>
+            <a:r>
+              <a:t>Go mod init 以后，go mod 默认会如下优先级递减拉取代码:</a:t>
+            </a:r>
+          </a:p>
+          <a:p>
+            <a:pPr lvl="1" indent="228600" defTabSz="457200">
+              <a:lnSpc>
+                <a:spcPts val="3300"/>
+              </a:lnSpc>
+              <a:defRPr sz="1400">
+                <a:solidFill>
+                  <a:srgbClr val="3E4042"/>
+                </a:solidFill>
+                <a:latin typeface="+mj-lt"/>
+                <a:ea typeface="+mj-ea"/>
+                <a:cs typeface="+mj-cs"/>
+                <a:sym typeface="Helvetica"/>
+              </a:defRPr>
+            </a:pPr>
+            <a:r>
+              <a:t>latest tagged stable (non-</a:t>
+            </a:r>
+            <a:r>
+              <a:rPr>
+                <a:solidFill>
+                  <a:srgbClr val="0052CC"/>
+                </a:solidFill>
+                <a:hlinkClick r:id="rId3" invalidUrl="" action="" tgtFrame="" tooltip="" history="1" highlightClick="0" endSnd="0"/>
+              </a:rPr>
+              <a:t>prerelease</a:t>
+            </a:r>
+            <a:r>
+              <a:t>) version</a:t>
+            </a:r>
+          </a:p>
+          <a:p>
+            <a:pPr lvl="1" indent="228600" defTabSz="457200">
+              <a:lnSpc>
+                <a:spcPts val="3300"/>
+              </a:lnSpc>
+              <a:defRPr sz="1400">
+                <a:solidFill>
+                  <a:srgbClr val="3E4042"/>
+                </a:solidFill>
+                <a:latin typeface="+mj-lt"/>
+                <a:ea typeface="+mj-ea"/>
+                <a:cs typeface="+mj-cs"/>
+                <a:sym typeface="Helvetica"/>
+              </a:defRPr>
+            </a:pPr>
+            <a:r>
+              <a:t>latest tagged prerelease version</a:t>
+            </a:r>
+          </a:p>
+          <a:p>
+            <a:pPr lvl="1" indent="228600" defTabSz="457200">
+              <a:lnSpc>
+                <a:spcPts val="3300"/>
+              </a:lnSpc>
+              <a:defRPr sz="1400">
+                <a:solidFill>
+                  <a:srgbClr val="3E4042"/>
+                </a:solidFill>
+                <a:latin typeface="+mj-lt"/>
+                <a:ea typeface="+mj-ea"/>
+                <a:cs typeface="+mj-cs"/>
+                <a:sym typeface="Helvetica"/>
+              </a:defRPr>
+            </a:pPr>
+            <a:r>
+              <a:t>latest untagged version</a:t>
+            </a:r>
+          </a:p>
+        </p:txBody>
+      </p:sp>
     </p:spTree>
   </p:cSld>
   <p:clrMapOvr>
@@ -9961,7 +11046,7 @@
         <p:spPr>
           <a:xfrm>
             <a:off x="213801" y="0"/>
-            <a:ext cx="3806598" cy="487681"/>
+            <a:ext cx="4112440" cy="436881"/>
           </a:xfrm>
           <a:prstGeom prst="rect">
             <a:avLst/>
@@ -9995,21 +11080,31 @@
           <a:p>
             <a:pPr/>
             <a:r>
-              <a:t>Go module的一些官方约束</a:t>
-            </a:r>
-          </a:p>
-        </p:txBody>
-      </p:sp>
-      <p:sp>
-        <p:nvSpPr>
-          <p:cNvPr id="320" name="文本框 4"/>
-          <p:cNvSpPr txBox="1"/>
+              <a:t>Semantic Import Versioning</a:t>
+            </a:r>
+          </a:p>
+        </p:txBody>
+      </p:sp>
+      <p:pic>
+        <p:nvPicPr>
+          <p:cNvPr id="320" name="图像" descr="图像"/>
+          <p:cNvPicPr>
+            <a:picLocks noChangeAspect="1"/>
+          </p:cNvPicPr>
           <p:nvPr/>
-        </p:nvSpPr>
+        </p:nvPicPr>
+        <p:blipFill>
+          <a:blip r:embed="rId3">
+            <a:extLst/>
+          </a:blip>
+          <a:stretch>
+            <a:fillRect/>
+          </a:stretch>
+        </p:blipFill>
         <p:spPr>
           <a:xfrm>
-            <a:off x="1615755" y="725878"/>
-            <a:ext cx="6350001" cy="2373579"/>
+            <a:off x="1663700" y="1155700"/>
+            <a:ext cx="5816600" cy="2832100"/>
           </a:xfrm>
           <a:prstGeom prst="rect">
             <a:avLst/>
@@ -10017,265 +11112,8 @@
           <a:ln w="12700">
             <a:miter lim="400000"/>
           </a:ln>
-          <a:extLst>
-            <a:ext uri="{C572A759-6A51-4108-AA02-DFA0A04FC94B}">
-              <ma14:wrappingTextBoxFlag xmlns:ma14="http://schemas.microsoft.com/office/mac/drawingml/2011/main" val="1"/>
-            </a:ext>
-          </a:extLst>
-        </p:spPr>
-        <p:txBody>
-          <a:bodyPr lIns="45719" rIns="45719">
-            <a:spAutoFit/>
-          </a:bodyPr>
-          <a:lstStyle/>
-          <a:p>
-            <a:pPr defTabSz="457200">
-              <a:lnSpc>
-                <a:spcPts val="3400"/>
-              </a:lnSpc>
-              <a:spcBef>
-                <a:spcPts val="300"/>
-              </a:spcBef>
-              <a:defRPr sz="1400">
-                <a:solidFill>
-                  <a:srgbClr val="111111"/>
-                </a:solidFill>
-                <a:latin typeface="Menlo"/>
-                <a:ea typeface="Menlo"/>
-                <a:cs typeface="Menlo"/>
-                <a:sym typeface="Menlo"/>
-              </a:defRPr>
-            </a:pPr>
-            <a:endParaRPr sz="1560">
-              <a:solidFill>
-                <a:srgbClr val="404040"/>
-              </a:solidFill>
-              <a:latin typeface="+mj-lt"/>
-              <a:ea typeface="+mj-ea"/>
-              <a:cs typeface="+mj-cs"/>
-              <a:sym typeface="Helvetica"/>
-            </a:endParaRPr>
-          </a:p>
-          <a:p>
-            <a:pPr marL="457200" indent="-317500" defTabSz="457200">
-              <a:lnSpc>
-                <a:spcPts val="3700"/>
-              </a:lnSpc>
-              <a:buClr>
-                <a:srgbClr val="24292E"/>
-              </a:buClr>
-              <a:buSzPct val="100000"/>
-              <a:buFont typeface="Times-Roman"/>
-              <a:buChar char="•"/>
-              <a:defRPr sz="1600">
-                <a:solidFill>
-                  <a:srgbClr val="24292E"/>
-                </a:solidFill>
-                <a:latin typeface="+mj-lt"/>
-                <a:ea typeface="+mj-ea"/>
-                <a:cs typeface="+mj-cs"/>
-                <a:sym typeface="Helvetica"/>
-              </a:defRPr>
-            </a:pPr>
-            <a:r>
-              <a:t>如果一个引入的包的主版本n &gt;=2，假设这个被引用的包也是使用go mod管理，必须遵循以下格式，否则会被认为incompatible</a:t>
-            </a:r>
-          </a:p>
-          <a:p>
-            <a:pPr marL="457200" indent="-317500" defTabSz="457200">
-              <a:lnSpc>
-                <a:spcPts val="3600"/>
-              </a:lnSpc>
-              <a:spcBef>
-                <a:spcPts val="300"/>
-              </a:spcBef>
-              <a:buClr>
-                <a:srgbClr val="404040"/>
-              </a:buClr>
-              <a:buSzPct val="100000"/>
-              <a:buFont typeface="Times-Roman"/>
-              <a:buChar char="•"/>
-              <a:defRPr sz="1400">
-                <a:solidFill>
-                  <a:srgbClr val="111111"/>
-                </a:solidFill>
-                <a:latin typeface="Menlo"/>
-                <a:ea typeface="Menlo"/>
-                <a:cs typeface="Menlo"/>
-                <a:sym typeface="Menlo"/>
-              </a:defRPr>
-            </a:pPr>
-            <a:r>
-              <a:rPr sz="1560">
-                <a:solidFill>
-                  <a:srgbClr val="404040"/>
-                </a:solidFill>
-                <a:latin typeface="+mj-lt"/>
-                <a:ea typeface="+mj-ea"/>
-                <a:cs typeface="+mj-cs"/>
-                <a:sym typeface="Helvetica"/>
-              </a:rPr>
-              <a:t>在 go.mod 文件中： </a:t>
-            </a:r>
-            <a:r>
-              <a:t>module github.com/my/mod/v2</a:t>
-            </a:r>
-            <a:endParaRPr sz="1560">
-              <a:solidFill>
-                <a:srgbClr val="404040"/>
-              </a:solidFill>
-              <a:latin typeface="+mj-lt"/>
-              <a:ea typeface="+mj-ea"/>
-              <a:cs typeface="+mj-cs"/>
-              <a:sym typeface="Helvetica"/>
-            </a:endParaRPr>
-          </a:p>
-          <a:p>
-            <a:pPr marL="457200" indent="-317500" defTabSz="457200">
-              <a:lnSpc>
-                <a:spcPts val="3600"/>
-              </a:lnSpc>
-              <a:spcBef>
-                <a:spcPts val="300"/>
-              </a:spcBef>
-              <a:buClr>
-                <a:srgbClr val="404040"/>
-              </a:buClr>
-              <a:buSzPct val="100000"/>
-              <a:buFont typeface="Times-Roman"/>
-              <a:buChar char="•"/>
-              <a:defRPr sz="1400">
-                <a:solidFill>
-                  <a:srgbClr val="111111"/>
-                </a:solidFill>
-                <a:latin typeface="Menlo"/>
-                <a:ea typeface="Menlo"/>
-                <a:cs typeface="Menlo"/>
-                <a:sym typeface="Menlo"/>
-              </a:defRPr>
-            </a:pPr>
-            <a:r>
-              <a:rPr sz="1560">
-                <a:solidFill>
-                  <a:srgbClr val="404040"/>
-                </a:solidFill>
-                <a:latin typeface="+mj-lt"/>
-                <a:ea typeface="+mj-ea"/>
-                <a:cs typeface="+mj-cs"/>
-                <a:sym typeface="Helvetica"/>
-              </a:rPr>
-              <a:t>在 require 的时候： </a:t>
-            </a:r>
-            <a:r>
-              <a:t>require github.com/my/mod/v2 v2.0.0</a:t>
-            </a:r>
-            <a:endParaRPr sz="1560">
-              <a:solidFill>
-                <a:srgbClr val="404040"/>
-              </a:solidFill>
-              <a:latin typeface="+mj-lt"/>
-              <a:ea typeface="+mj-ea"/>
-              <a:cs typeface="+mj-cs"/>
-              <a:sym typeface="Helvetica"/>
-            </a:endParaRPr>
-          </a:p>
-          <a:p>
-            <a:pPr marL="457200" indent="-317500" defTabSz="457200">
-              <a:lnSpc>
-                <a:spcPts val="3600"/>
-              </a:lnSpc>
-              <a:spcBef>
-                <a:spcPts val="300"/>
-              </a:spcBef>
-              <a:buClr>
-                <a:srgbClr val="404040"/>
-              </a:buClr>
-              <a:buSzPct val="100000"/>
-              <a:buFont typeface="Times-Roman"/>
-              <a:buChar char="•"/>
-              <a:defRPr sz="1400">
-                <a:solidFill>
-                  <a:srgbClr val="111111"/>
-                </a:solidFill>
-                <a:latin typeface="Menlo"/>
-                <a:ea typeface="Menlo"/>
-                <a:cs typeface="Menlo"/>
-                <a:sym typeface="Menlo"/>
-              </a:defRPr>
-            </a:pPr>
-            <a:r>
-              <a:rPr sz="1560">
-                <a:solidFill>
-                  <a:srgbClr val="404040"/>
-                </a:solidFill>
-                <a:latin typeface="+mj-lt"/>
-                <a:ea typeface="+mj-ea"/>
-                <a:cs typeface="+mj-cs"/>
-                <a:sym typeface="Helvetica"/>
-              </a:rPr>
-              <a:t>在 import 的时候： </a:t>
-            </a:r>
-            <a:r>
-              <a:t>import github.com/my/mod/v2/mypkg</a:t>
-            </a:r>
-          </a:p>
-          <a:p>
-            <a:pPr marL="457200" indent="-317500" defTabSz="457200">
-              <a:lnSpc>
-                <a:spcPts val="3700"/>
-              </a:lnSpc>
-              <a:buClr>
-                <a:srgbClr val="24292E"/>
-              </a:buClr>
-              <a:buSzPct val="100000"/>
-              <a:buFont typeface="Times-Roman"/>
-              <a:buChar char="•"/>
-              <a:defRPr sz="1600">
-                <a:solidFill>
-                  <a:srgbClr val="24292E"/>
-                </a:solidFill>
-                <a:latin typeface="+mj-lt"/>
-                <a:ea typeface="+mj-ea"/>
-                <a:cs typeface="+mj-cs"/>
-                <a:sym typeface="Helvetica"/>
-              </a:defRPr>
-            </a:pPr>
-            <a:r>
-              <a:t>如果一个主版本&lt;=1 不要显示指明要使用是v1 or v0</a:t>
-            </a:r>
-          </a:p>
-          <a:p>
-            <a:pPr lvl="2" indent="457200" defTabSz="457200">
-              <a:lnSpc>
-                <a:spcPts val="2800"/>
-              </a:lnSpc>
-              <a:defRPr sz="1200" u="sng">
-                <a:solidFill>
-                  <a:srgbClr val="0000EE"/>
-                </a:solidFill>
-                <a:latin typeface="Times"/>
-                <a:ea typeface="Times"/>
-                <a:cs typeface="Times"/>
-                <a:sym typeface="Times"/>
-              </a:defRPr>
-            </a:pPr>
-            <a:r>
-              <a:rPr>
-                <a:solidFill>
-                  <a:srgbClr val="0000FF"/>
-                </a:solidFill>
-                <a:uFill>
-                  <a:solidFill>
-                    <a:srgbClr val="0000FF"/>
-                  </a:solidFill>
-                </a:uFill>
-                <a:hlinkClick r:id="rId3" invalidUrl="" action="" tgtFrame="" tooltip="" history="1" highlightClick="0" endSnd="0"/>
-              </a:rPr>
-              <a:t>https://github.com/golang/go/wiki/Modules#semantic-import-versioning</a:t>
-            </a:r>
-          </a:p>
-        </p:txBody>
-      </p:sp>
+        </p:spPr>
+      </p:pic>
     </p:spTree>
   </p:cSld>
   <p:clrMapOvr>
@@ -10311,7 +11149,7 @@
         <p:spPr>
           <a:xfrm>
             <a:off x="213801" y="0"/>
-            <a:ext cx="2214881" cy="487681"/>
+            <a:ext cx="3806598" cy="487681"/>
           </a:xfrm>
           <a:prstGeom prst="rect">
             <a:avLst/>
@@ -10345,21 +11183,21 @@
           <a:p>
             <a:pPr/>
             <a:r>
-              <a:t>兼容之前的代码</a:t>
-            </a:r>
-          </a:p>
-        </p:txBody>
-      </p:sp>
-      <p:sp>
-        <p:nvSpPr>
-          <p:cNvPr id="325" name="内容占位符 2"/>
+              <a:t>Go module的一些官方约束</a:t>
+            </a:r>
+          </a:p>
+        </p:txBody>
+      </p:sp>
+      <p:sp>
+        <p:nvSpPr>
+          <p:cNvPr id="325" name="文本框 4"/>
           <p:cNvSpPr txBox="1"/>
           <p:nvPr/>
         </p:nvSpPr>
         <p:spPr>
           <a:xfrm>
-            <a:off x="1397000" y="1679805"/>
-            <a:ext cx="6350001" cy="1156209"/>
+            <a:off x="1615755" y="725878"/>
+            <a:ext cx="6350001" cy="2373579"/>
           </a:xfrm>
           <a:prstGeom prst="rect">
             <a:avLst/>
@@ -10381,60 +11219,238 @@
           <a:p>
             <a:pPr defTabSz="457200">
               <a:lnSpc>
-                <a:spcPts val="3200"/>
+                <a:spcPts val="3400"/>
               </a:lnSpc>
-              <a:defRPr sz="1400">
-                <a:solidFill>
-                  <a:srgbClr val="3E4042"/>
-                </a:solidFill>
-                <a:latin typeface="Courier"/>
-                <a:ea typeface="Courier"/>
-                <a:cs typeface="Courier"/>
-                <a:sym typeface="Courier"/>
-              </a:defRPr>
-            </a:pPr>
-            <a:r>
-              <a:t>v0.0.0-20170915032832-14c0d48ead0c</a:t>
-            </a:r>
-            <a:endParaRPr sz="1600">
-              <a:latin typeface="微软雅黑"/>
-              <a:ea typeface="微软雅黑"/>
-              <a:cs typeface="微软雅黑"/>
-              <a:sym typeface="微软雅黑"/>
-            </a:endParaRPr>
-          </a:p>
-          <a:p>
-            <a:pPr>
               <a:spcBef>
                 <a:spcPts val="300"/>
               </a:spcBef>
+              <a:defRPr sz="1400">
+                <a:solidFill>
+                  <a:srgbClr val="111111"/>
+                </a:solidFill>
+                <a:latin typeface="Menlo"/>
+                <a:ea typeface="Menlo"/>
+                <a:cs typeface="Menlo"/>
+                <a:sym typeface="Menlo"/>
+              </a:defRPr>
+            </a:pPr>
+            <a:endParaRPr sz="1560">
+              <a:solidFill>
+                <a:srgbClr val="404040"/>
+              </a:solidFill>
+              <a:latin typeface="+mj-lt"/>
+              <a:ea typeface="+mj-ea"/>
+              <a:cs typeface="+mj-cs"/>
+              <a:sym typeface="Helvetica"/>
+            </a:endParaRPr>
+          </a:p>
+          <a:p>
+            <a:pPr marL="457200" indent="-317500" defTabSz="457200">
+              <a:lnSpc>
+                <a:spcPts val="3700"/>
+              </a:lnSpc>
+              <a:buClr>
+                <a:srgbClr val="24292E"/>
+              </a:buClr>
+              <a:buSzPct val="100000"/>
+              <a:buFont typeface="Times-Roman"/>
+              <a:buChar char="•"/>
               <a:defRPr sz="1600">
-                <a:latin typeface="微软雅黑"/>
-                <a:ea typeface="微软雅黑"/>
-                <a:cs typeface="微软雅黑"/>
-                <a:sym typeface="微软雅黑"/>
+                <a:solidFill>
+                  <a:srgbClr val="24292E"/>
+                </a:solidFill>
+                <a:latin typeface="+mj-lt"/>
+                <a:ea typeface="+mj-ea"/>
+                <a:cs typeface="+mj-cs"/>
+                <a:sym typeface="Helvetica"/>
               </a:defRPr>
             </a:pPr>
             <a:r>
-              <a:t>如果依赖的库没有vn.n.n的tag，</a:t>
-            </a:r>
+              <a:t>如果一个引入的包的主版本n &gt;=2，假设这个被引用的包也是使用go mod管理，必须遵循以下格式，否则会被认为incompatible</a:t>
+            </a:r>
+          </a:p>
+          <a:p>
+            <a:pPr marL="457200" indent="-317500" defTabSz="457200">
+              <a:lnSpc>
+                <a:spcPts val="3600"/>
+              </a:lnSpc>
+              <a:spcBef>
+                <a:spcPts val="300"/>
+              </a:spcBef>
+              <a:buClr>
+                <a:srgbClr val="404040"/>
+              </a:buClr>
+              <a:buSzPct val="100000"/>
+              <a:buFont typeface="Times-Roman"/>
+              <a:buChar char="•"/>
+              <a:defRPr sz="1400">
+                <a:solidFill>
+                  <a:srgbClr val="111111"/>
+                </a:solidFill>
+                <a:latin typeface="Menlo"/>
+                <a:ea typeface="Menlo"/>
+                <a:cs typeface="Menlo"/>
+                <a:sym typeface="Menlo"/>
+              </a:defRPr>
+            </a:pPr>
+            <a:r>
+              <a:rPr sz="1560">
+                <a:solidFill>
+                  <a:srgbClr val="404040"/>
+                </a:solidFill>
+                <a:latin typeface="+mj-lt"/>
+                <a:ea typeface="+mj-ea"/>
+                <a:cs typeface="+mj-cs"/>
+                <a:sym typeface="Helvetica"/>
+              </a:rPr>
+              <a:t>在 go.mod 文件中： </a:t>
+            </a:r>
+            <a:r>
+              <a:t>module github.com/my/mod/v2</a:t>
+            </a:r>
+            <a:endParaRPr sz="1560">
+              <a:solidFill>
+                <a:srgbClr val="404040"/>
+              </a:solidFill>
+              <a:latin typeface="+mj-lt"/>
+              <a:ea typeface="+mj-ea"/>
+              <a:cs typeface="+mj-cs"/>
+              <a:sym typeface="Helvetica"/>
+            </a:endParaRPr>
+          </a:p>
+          <a:p>
+            <a:pPr marL="457200" indent="-317500" defTabSz="457200">
+              <a:lnSpc>
+                <a:spcPts val="3600"/>
+              </a:lnSpc>
+              <a:spcBef>
+                <a:spcPts val="300"/>
+              </a:spcBef>
+              <a:buClr>
+                <a:srgbClr val="404040"/>
+              </a:buClr>
+              <a:buSzPct val="100000"/>
+              <a:buFont typeface="Times-Roman"/>
+              <a:buChar char="•"/>
+              <a:defRPr sz="1400">
+                <a:solidFill>
+                  <a:srgbClr val="111111"/>
+                </a:solidFill>
+                <a:latin typeface="Menlo"/>
+                <a:ea typeface="Menlo"/>
+                <a:cs typeface="Menlo"/>
+                <a:sym typeface="Menlo"/>
+              </a:defRPr>
+            </a:pPr>
+            <a:r>
+              <a:rPr sz="1560">
+                <a:solidFill>
+                  <a:srgbClr val="404040"/>
+                </a:solidFill>
+                <a:latin typeface="+mj-lt"/>
+                <a:ea typeface="+mj-ea"/>
+                <a:cs typeface="+mj-cs"/>
+                <a:sym typeface="Helvetica"/>
+              </a:rPr>
+              <a:t>在 require 的时候： </a:t>
+            </a:r>
+            <a:r>
+              <a:t>require github.com/my/mod/v2 v2.0.0</a:t>
+            </a:r>
+            <a:endParaRPr sz="1560">
+              <a:solidFill>
+                <a:srgbClr val="404040"/>
+              </a:solidFill>
+              <a:latin typeface="+mj-lt"/>
+              <a:ea typeface="+mj-ea"/>
+              <a:cs typeface="+mj-cs"/>
+              <a:sym typeface="Helvetica"/>
+            </a:endParaRPr>
+          </a:p>
+          <a:p>
+            <a:pPr marL="457200" indent="-317500" defTabSz="457200">
+              <a:lnSpc>
+                <a:spcPts val="3600"/>
+              </a:lnSpc>
+              <a:spcBef>
+                <a:spcPts val="300"/>
+              </a:spcBef>
+              <a:buClr>
+                <a:srgbClr val="404040"/>
+              </a:buClr>
+              <a:buSzPct val="100000"/>
+              <a:buFont typeface="Times-Roman"/>
+              <a:buChar char="•"/>
+              <a:defRPr sz="1400">
+                <a:solidFill>
+                  <a:srgbClr val="111111"/>
+                </a:solidFill>
+                <a:latin typeface="Menlo"/>
+                <a:ea typeface="Menlo"/>
+                <a:cs typeface="Menlo"/>
+                <a:sym typeface="Menlo"/>
+              </a:defRPr>
+            </a:pPr>
+            <a:r>
+              <a:rPr sz="1560">
+                <a:solidFill>
+                  <a:srgbClr val="404040"/>
+                </a:solidFill>
+                <a:latin typeface="+mj-lt"/>
+                <a:ea typeface="+mj-ea"/>
+                <a:cs typeface="+mj-cs"/>
+                <a:sym typeface="Helvetica"/>
+              </a:rPr>
+              <a:t>在 import 的时候： </a:t>
+            </a:r>
+            <a:r>
+              <a:t>import github.com/my/mod/v2/mypkg</a:t>
+            </a:r>
+          </a:p>
+          <a:p>
+            <a:pPr marL="457200" indent="-317500" defTabSz="457200">
+              <a:lnSpc>
+                <a:spcPts val="3700"/>
+              </a:lnSpc>
+              <a:buClr>
+                <a:srgbClr val="24292E"/>
+              </a:buClr>
+              <a:buSzPct val="100000"/>
+              <a:buFont typeface="Times-Roman"/>
+              <a:buChar char="•"/>
+              <a:defRPr sz="1600">
+                <a:solidFill>
+                  <a:srgbClr val="24292E"/>
+                </a:solidFill>
+                <a:latin typeface="+mj-lt"/>
+                <a:ea typeface="+mj-ea"/>
+                <a:cs typeface="+mj-cs"/>
+                <a:sym typeface="Helvetica"/>
+              </a:defRPr>
+            </a:pPr>
+            <a:r>
+              <a:t>如果一个主版本&lt;=1 不要显示指明要使用是v1 or v0</a:t>
+            </a:r>
+          </a:p>
+          <a:p>
+            <a:pPr lvl="2" indent="457200" defTabSz="457200">
+              <a:lnSpc>
+                <a:spcPts val="2800"/>
+              </a:lnSpc>
+              <a:defRPr sz="1200" u="sng">
+                <a:solidFill>
+                  <a:srgbClr val="0000EE"/>
+                </a:solidFill>
+                <a:latin typeface="Times"/>
+                <a:ea typeface="Times"/>
+                <a:cs typeface="Times"/>
+                <a:sym typeface="Times"/>
+              </a:defRPr>
+            </a:pPr>
             <a:r>
               <a:rPr>
-                <a:uFill>
-                  <a:solidFill>
-                    <a:srgbClr val="0000FF"/>
-                  </a:solidFill>
-                </a:uFill>
-              </a:rPr>
-              <a:t>会被go mod认为是一个</a:t>
-            </a:r>
-            <a:r>
-              <a:rPr>
-                <a:solidFill>
-                  <a:schemeClr val="accent1">
-                    <a:satOff val="-4409"/>
-                    <a:lumOff val="-10509"/>
-                  </a:schemeClr>
+                <a:solidFill>
+                  <a:srgbClr val="0000FF"/>
                 </a:solidFill>
                 <a:uFill>
                   <a:solidFill>
@@ -10443,10 +11459,7 @@
                 </a:uFill>
                 <a:hlinkClick r:id="rId3" invalidUrl="" action="" tgtFrame="" tooltip="" history="1" highlightClick="0" endSnd="0"/>
               </a:rPr>
-              <a:t>pseudo-version</a:t>
-            </a:r>
-            <a:r>
-              <a:t>，go mod文件中会出现类似这一行，v0.0.0+commit日期+commid id</a:t>
+              <a:t>https://github.com/golang/go/wiki/Modules#semantic-import-versioning</a:t>
             </a:r>
           </a:p>
         </p:txBody>
@@ -10486,7 +11499,7 @@
         <p:spPr>
           <a:xfrm>
             <a:off x="213801" y="0"/>
-            <a:ext cx="3180032" cy="487681"/>
+            <a:ext cx="1289319" cy="436881"/>
           </a:xfrm>
           <a:prstGeom prst="rect">
             <a:avLst/>
@@ -10520,21 +11533,31 @@
           <a:p>
             <a:pPr/>
             <a:r>
-              <a:t>升级client-go库的流程</a:t>
-            </a:r>
-          </a:p>
-        </p:txBody>
-      </p:sp>
-      <p:sp>
-        <p:nvSpPr>
-          <p:cNvPr id="330" name="内容占位符 2"/>
-          <p:cNvSpPr txBox="1"/>
+              <a:t>A DEMO</a:t>
+            </a:r>
+          </a:p>
+        </p:txBody>
+      </p:sp>
+      <p:pic>
+        <p:nvPicPr>
+          <p:cNvPr id="330" name="图像" descr="图像"/>
+          <p:cNvPicPr>
+            <a:picLocks noChangeAspect="1"/>
+          </p:cNvPicPr>
           <p:nvPr/>
-        </p:nvSpPr>
+        </p:nvPicPr>
+        <p:blipFill>
+          <a:blip r:embed="rId3">
+            <a:extLst/>
+          </a:blip>
+          <a:stretch>
+            <a:fillRect/>
+          </a:stretch>
+        </p:blipFill>
         <p:spPr>
           <a:xfrm>
-            <a:off x="688603" y="1016786"/>
-            <a:ext cx="7766793" cy="2773681"/>
+            <a:off x="0" y="1472923"/>
+            <a:ext cx="9144000" cy="2197654"/>
           </a:xfrm>
           <a:prstGeom prst="rect">
             <a:avLst/>
@@ -10542,129 +11565,8 @@
           <a:ln w="12700">
             <a:miter lim="400000"/>
           </a:ln>
-          <a:extLst>
-            <a:ext uri="{C572A759-6A51-4108-AA02-DFA0A04FC94B}">
-              <ma14:wrappingTextBoxFlag xmlns:ma14="http://schemas.microsoft.com/office/mac/drawingml/2011/main" val="1"/>
-            </a:ext>
-          </a:extLst>
-        </p:spPr>
-        <p:txBody>
-          <a:bodyPr lIns="45719" rIns="45719">
-            <a:spAutoFit/>
-          </a:bodyPr>
-          <a:lstStyle/>
-          <a:p>
-            <a:pPr indent="-342900">
-              <a:spcBef>
-                <a:spcPts val="300"/>
-              </a:spcBef>
-              <a:buSzPct val="100000"/>
-              <a:buFont typeface="Arial"/>
-              <a:buChar char="•"/>
-              <a:defRPr sz="1600">
-                <a:latin typeface="微软雅黑"/>
-                <a:ea typeface="微软雅黑"/>
-                <a:cs typeface="微软雅黑"/>
-                <a:sym typeface="微软雅黑"/>
-              </a:defRPr>
-            </a:pPr>
-            <a:r>
-              <a:t>目前cleint-go v12.0.0正好对应k8s 1.15版本，因此go.mod 文件中都是</a:t>
-            </a:r>
-          </a:p>
-          <a:p>
-            <a:pPr indent="-342900">
-              <a:spcBef>
-                <a:spcPts val="300"/>
-              </a:spcBef>
-              <a:buSzPct val="100000"/>
-              <a:buFont typeface="Arial"/>
-              <a:buChar char="•"/>
-              <a:defRPr sz="1600">
-                <a:latin typeface="微软雅黑"/>
-                <a:ea typeface="微软雅黑"/>
-                <a:cs typeface="微软雅黑"/>
-                <a:sym typeface="微软雅黑"/>
-              </a:defRPr>
-            </a:pPr>
-            <a:r>
-              <a:rPr>
-                <a:solidFill>
-                  <a:srgbClr val="0052CC"/>
-                </a:solidFill>
-              </a:rPr>
-              <a:t>k8s.io/client-go</a:t>
-            </a:r>
-            <a:r>
-              <a:t> v12.0.0+incompatible</a:t>
-            </a:r>
-          </a:p>
-          <a:p>
-            <a:pPr indent="-342900">
-              <a:spcBef>
-                <a:spcPts val="300"/>
-              </a:spcBef>
-              <a:buSzPct val="100000"/>
-              <a:buFont typeface="Arial"/>
-              <a:buChar char="•"/>
-              <a:defRPr sz="1600">
-                <a:latin typeface="微软雅黑"/>
-                <a:ea typeface="微软雅黑"/>
-                <a:cs typeface="微软雅黑"/>
-                <a:sym typeface="微软雅黑"/>
-              </a:defRPr>
-            </a:pPr>
-            <a:r>
-              <a:t>未来如果出了v13.0.0版本，可以先固定住某些不需要升级的库，然后手动把v12换成v13，删除其他k8s.io相关的，让client-go的go.mod自动去下载依赖</a:t>
-            </a:r>
-          </a:p>
-          <a:p>
-            <a:pPr>
-              <a:spcBef>
-                <a:spcPts val="300"/>
-              </a:spcBef>
-              <a:defRPr sz="1600">
-                <a:latin typeface="微软雅黑"/>
-                <a:ea typeface="微软雅黑"/>
-                <a:cs typeface="微软雅黑"/>
-                <a:sym typeface="微软雅黑"/>
-              </a:defRPr>
-            </a:pPr>
-          </a:p>
-          <a:p>
-            <a:pPr>
-              <a:spcBef>
-                <a:spcPts val="300"/>
-              </a:spcBef>
-              <a:defRPr sz="1600">
-                <a:latin typeface="微软雅黑"/>
-                <a:ea typeface="微软雅黑"/>
-                <a:cs typeface="微软雅黑"/>
-                <a:sym typeface="微软雅黑"/>
-              </a:defRPr>
-            </a:pPr>
-            <a:r>
-              <a:t>+incompatible的原因</a:t>
-            </a:r>
-          </a:p>
-          <a:p>
-            <a:pPr>
-              <a:spcBef>
-                <a:spcPts val="300"/>
-              </a:spcBef>
-              <a:defRPr sz="1600">
-                <a:latin typeface="微软雅黑"/>
-                <a:ea typeface="微软雅黑"/>
-                <a:cs typeface="微软雅黑"/>
-                <a:sym typeface="微软雅黑"/>
-              </a:defRPr>
-            </a:pPr>
-            <a:r>
-              <a:t>尽管cleint-go从v12.0.0开始使用go mod进行管理，但是其module name并没有以/v12结尾，因此这会被go mod认为不符合其规范，为了强制依赖这个版本，需要加上+incompatible，让go tools该怎么做</a:t>
-            </a:r>
-          </a:p>
-        </p:txBody>
-      </p:sp>
+        </p:spPr>
+      </p:pic>
     </p:spTree>
   </p:cSld>
   <p:clrMapOvr>
